--- a/html/presentations/CoderDojoBrayHTML_session3.pptx
+++ b/html/presentations/CoderDojoBrayHTML_session3.pptx
@@ -5,13 +5,29 @@
     <p:sldMasterId id="2147483672" r:id="rId1"/>
   </p:sldMasterIdLst>
   <p:notesMasterIdLst>
-    <p:notesMasterId r:id="rId6"/>
+    <p:notesMasterId r:id="rId22"/>
   </p:notesMasterIdLst>
   <p:sldIdLst>
     <p:sldId id="256" r:id="rId2"/>
-    <p:sldId id="275" r:id="rId3"/>
+    <p:sldId id="277" r:id="rId3"/>
     <p:sldId id="257" r:id="rId4"/>
     <p:sldId id="258" r:id="rId5"/>
+    <p:sldId id="278" r:id="rId6"/>
+    <p:sldId id="279" r:id="rId7"/>
+    <p:sldId id="280" r:id="rId8"/>
+    <p:sldId id="281" r:id="rId9"/>
+    <p:sldId id="282" r:id="rId10"/>
+    <p:sldId id="283" r:id="rId11"/>
+    <p:sldId id="285" r:id="rId12"/>
+    <p:sldId id="284" r:id="rId13"/>
+    <p:sldId id="286" r:id="rId14"/>
+    <p:sldId id="287" r:id="rId15"/>
+    <p:sldId id="288" r:id="rId16"/>
+    <p:sldId id="289" r:id="rId17"/>
+    <p:sldId id="290" r:id="rId18"/>
+    <p:sldId id="291" r:id="rId19"/>
+    <p:sldId id="293" r:id="rId20"/>
+    <p:sldId id="292" r:id="rId21"/>
   </p:sldIdLst>
   <p:sldSz cx="9144000" cy="6858000" type="screen4x3"/>
   <p:notesSz cx="6858000" cy="9144000"/>
@@ -195,7 +211,7 @@
           <a:p>
             <a:fld id="{9650A110-E0B9-45FC-A343-D8EC5640BF3F}" type="datetimeFigureOut">
               <a:rPr lang="en-IE" smtClean="0"/>
-              <a:t>12/09/2012</a:t>
+              <a:t>13/09/2012</a:t>
             </a:fld>
             <a:endParaRPr lang="en-IE"/>
           </a:p>
@@ -547,6 +563,948 @@
 </p:notes>
 </file>
 
+<file path=ppt/notesSlides/notesSlide10.xml><?xml version="1.0" encoding="utf-8"?>
+<p:notes xmlns:a="http://schemas.openxmlformats.org/drawingml/2006/main" xmlns:r="http://schemas.openxmlformats.org/officeDocument/2006/relationships" xmlns:p="http://schemas.openxmlformats.org/presentationml/2006/main">
+  <p:cSld>
+    <p:spTree>
+      <p:nvGrpSpPr>
+        <p:cNvPr id="1" name=""/>
+        <p:cNvGrpSpPr/>
+        <p:nvPr/>
+      </p:nvGrpSpPr>
+      <p:grpSpPr>
+        <a:xfrm>
+          <a:off x="0" y="0"/>
+          <a:ext cx="0" cy="0"/>
+          <a:chOff x="0" y="0"/>
+          <a:chExt cx="0" cy="0"/>
+        </a:xfrm>
+      </p:grpSpPr>
+      <p:sp>
+        <p:nvSpPr>
+          <p:cNvPr id="2" name="Slide Image Placeholder 1"/>
+          <p:cNvSpPr>
+            <a:spLocks noGrp="1" noRot="1" noChangeAspect="1"/>
+          </p:cNvSpPr>
+          <p:nvPr>
+            <p:ph type="sldImg"/>
+          </p:nvPr>
+        </p:nvSpPr>
+        <p:spPr/>
+      </p:sp>
+      <p:sp>
+        <p:nvSpPr>
+          <p:cNvPr id="3" name="Notes Placeholder 2"/>
+          <p:cNvSpPr>
+            <a:spLocks noGrp="1"/>
+          </p:cNvSpPr>
+          <p:nvPr>
+            <p:ph type="body" idx="1"/>
+          </p:nvPr>
+        </p:nvSpPr>
+        <p:spPr/>
+        <p:txBody>
+          <a:bodyPr/>
+          <a:lstStyle/>
+          <a:p>
+            <a:endParaRPr lang="en-IE" baseline="0" dirty="0" smtClean="0"/>
+          </a:p>
+        </p:txBody>
+      </p:sp>
+      <p:sp>
+        <p:nvSpPr>
+          <p:cNvPr id="4" name="Slide Number Placeholder 3"/>
+          <p:cNvSpPr>
+            <a:spLocks noGrp="1"/>
+          </p:cNvSpPr>
+          <p:nvPr>
+            <p:ph type="sldNum" sz="quarter" idx="10"/>
+          </p:nvPr>
+        </p:nvSpPr>
+        <p:spPr/>
+        <p:txBody>
+          <a:bodyPr/>
+          <a:lstStyle/>
+          <a:p>
+            <a:fld id="{ABE5CB41-8F34-4FAE-BDD8-10A032863583}" type="slidenum">
+              <a:rPr lang="en-IE" smtClean="0"/>
+              <a:t>10</a:t>
+            </a:fld>
+            <a:endParaRPr lang="en-IE"/>
+          </a:p>
+        </p:txBody>
+      </p:sp>
+    </p:spTree>
+    <p:extLst>
+      <p:ext uri="{BB962C8B-B14F-4D97-AF65-F5344CB8AC3E}">
+        <p14:creationId xmlns:p14="http://schemas.microsoft.com/office/powerpoint/2010/main" val="45962937"/>
+      </p:ext>
+    </p:extLst>
+  </p:cSld>
+  <p:clrMapOvr>
+    <a:masterClrMapping/>
+  </p:clrMapOvr>
+</p:notes>
+</file>
+
+<file path=ppt/notesSlides/notesSlide11.xml><?xml version="1.0" encoding="utf-8"?>
+<p:notes xmlns:a="http://schemas.openxmlformats.org/drawingml/2006/main" xmlns:r="http://schemas.openxmlformats.org/officeDocument/2006/relationships" xmlns:p="http://schemas.openxmlformats.org/presentationml/2006/main">
+  <p:cSld>
+    <p:spTree>
+      <p:nvGrpSpPr>
+        <p:cNvPr id="1" name=""/>
+        <p:cNvGrpSpPr/>
+        <p:nvPr/>
+      </p:nvGrpSpPr>
+      <p:grpSpPr>
+        <a:xfrm>
+          <a:off x="0" y="0"/>
+          <a:ext cx="0" cy="0"/>
+          <a:chOff x="0" y="0"/>
+          <a:chExt cx="0" cy="0"/>
+        </a:xfrm>
+      </p:grpSpPr>
+      <p:sp>
+        <p:nvSpPr>
+          <p:cNvPr id="2" name="Slide Image Placeholder 1"/>
+          <p:cNvSpPr>
+            <a:spLocks noGrp="1" noRot="1" noChangeAspect="1"/>
+          </p:cNvSpPr>
+          <p:nvPr>
+            <p:ph type="sldImg"/>
+          </p:nvPr>
+        </p:nvSpPr>
+        <p:spPr/>
+      </p:sp>
+      <p:sp>
+        <p:nvSpPr>
+          <p:cNvPr id="3" name="Notes Placeholder 2"/>
+          <p:cNvSpPr>
+            <a:spLocks noGrp="1"/>
+          </p:cNvSpPr>
+          <p:nvPr>
+            <p:ph type="body" idx="1"/>
+          </p:nvPr>
+        </p:nvSpPr>
+        <p:spPr/>
+        <p:txBody>
+          <a:bodyPr/>
+          <a:lstStyle/>
+          <a:p>
+            <a:r>
+              <a:rPr lang="en-IE" baseline="0" dirty="0" smtClean="0"/>
+              <a:t>We just wrap our &lt;</a:t>
+            </a:r>
+            <a:r>
+              <a:rPr lang="en-IE" baseline="0" dirty="0" err="1" smtClean="0"/>
+              <a:t>ul</a:t>
+            </a:r>
+            <a:r>
+              <a:rPr lang="en-IE" baseline="0" dirty="0" smtClean="0"/>
+              <a:t>&gt; inside a &lt;div&gt;</a:t>
+            </a:r>
+          </a:p>
+          <a:p>
+            <a:r>
+              <a:rPr lang="en-IE" baseline="0" dirty="0" smtClean="0"/>
+              <a:t>And we give this &lt;div&gt; a specific id, “</a:t>
+            </a:r>
+            <a:r>
+              <a:rPr lang="en-IE" baseline="0" dirty="0" err="1" smtClean="0"/>
+              <a:t>mymenu_a</a:t>
+            </a:r>
+            <a:r>
+              <a:rPr lang="en-IE" baseline="0" dirty="0" smtClean="0"/>
+              <a:t>”</a:t>
+            </a:r>
+          </a:p>
+          <a:p>
+            <a:endParaRPr lang="en-IE" baseline="0" dirty="0" smtClean="0"/>
+          </a:p>
+          <a:p>
+            <a:r>
+              <a:rPr lang="en-IE" baseline="0" dirty="0" smtClean="0"/>
+              <a:t>And in our CSS file, we have styles which apply to this &lt;div&gt;</a:t>
+            </a:r>
+          </a:p>
+          <a:p>
+            <a:endParaRPr lang="en-IE" baseline="0" dirty="0" smtClean="0"/>
+          </a:p>
+          <a:p>
+            <a:endParaRPr lang="en-IE" baseline="0" dirty="0" smtClean="0"/>
+          </a:p>
+        </p:txBody>
+      </p:sp>
+      <p:sp>
+        <p:nvSpPr>
+          <p:cNvPr id="4" name="Slide Number Placeholder 3"/>
+          <p:cNvSpPr>
+            <a:spLocks noGrp="1"/>
+          </p:cNvSpPr>
+          <p:nvPr>
+            <p:ph type="sldNum" sz="quarter" idx="10"/>
+          </p:nvPr>
+        </p:nvSpPr>
+        <p:spPr/>
+        <p:txBody>
+          <a:bodyPr/>
+          <a:lstStyle/>
+          <a:p>
+            <a:fld id="{ABE5CB41-8F34-4FAE-BDD8-10A032863583}" type="slidenum">
+              <a:rPr lang="en-IE" smtClean="0"/>
+              <a:t>11</a:t>
+            </a:fld>
+            <a:endParaRPr lang="en-IE"/>
+          </a:p>
+        </p:txBody>
+      </p:sp>
+    </p:spTree>
+    <p:extLst>
+      <p:ext uri="{BB962C8B-B14F-4D97-AF65-F5344CB8AC3E}">
+        <p14:creationId xmlns:p14="http://schemas.microsoft.com/office/powerpoint/2010/main" val="45962937"/>
+      </p:ext>
+    </p:extLst>
+  </p:cSld>
+  <p:clrMapOvr>
+    <a:masterClrMapping/>
+  </p:clrMapOvr>
+</p:notes>
+</file>
+
+<file path=ppt/notesSlides/notesSlide12.xml><?xml version="1.0" encoding="utf-8"?>
+<p:notes xmlns:a="http://schemas.openxmlformats.org/drawingml/2006/main" xmlns:r="http://schemas.openxmlformats.org/officeDocument/2006/relationships" xmlns:p="http://schemas.openxmlformats.org/presentationml/2006/main">
+  <p:cSld>
+    <p:spTree>
+      <p:nvGrpSpPr>
+        <p:cNvPr id="1" name=""/>
+        <p:cNvGrpSpPr/>
+        <p:nvPr/>
+      </p:nvGrpSpPr>
+      <p:grpSpPr>
+        <a:xfrm>
+          <a:off x="0" y="0"/>
+          <a:ext cx="0" cy="0"/>
+          <a:chOff x="0" y="0"/>
+          <a:chExt cx="0" cy="0"/>
+        </a:xfrm>
+      </p:grpSpPr>
+      <p:sp>
+        <p:nvSpPr>
+          <p:cNvPr id="2" name="Slide Image Placeholder 1"/>
+          <p:cNvSpPr>
+            <a:spLocks noGrp="1" noRot="1" noChangeAspect="1"/>
+          </p:cNvSpPr>
+          <p:nvPr>
+            <p:ph type="sldImg"/>
+          </p:nvPr>
+        </p:nvSpPr>
+        <p:spPr/>
+      </p:sp>
+      <p:sp>
+        <p:nvSpPr>
+          <p:cNvPr id="3" name="Notes Placeholder 2"/>
+          <p:cNvSpPr>
+            <a:spLocks noGrp="1"/>
+          </p:cNvSpPr>
+          <p:nvPr>
+            <p:ph type="body" idx="1"/>
+          </p:nvPr>
+        </p:nvSpPr>
+        <p:spPr/>
+        <p:txBody>
+          <a:bodyPr/>
+          <a:lstStyle/>
+          <a:p>
+            <a:r>
+              <a:rPr lang="en-IE" baseline="0" dirty="0" smtClean="0"/>
+              <a:t>This block of CSS will turn our &lt;</a:t>
+            </a:r>
+            <a:r>
+              <a:rPr lang="en-IE" baseline="0" dirty="0" err="1" smtClean="0"/>
+              <a:t>ul</a:t>
+            </a:r>
+            <a:r>
+              <a:rPr lang="en-IE" baseline="0" dirty="0" smtClean="0"/>
+              <a:t>&gt; into a menu</a:t>
+            </a:r>
+          </a:p>
+          <a:p>
+            <a:endParaRPr lang="en-IE" baseline="0" dirty="0" smtClean="0"/>
+          </a:p>
+          <a:p>
+            <a:endParaRPr lang="en-IE" baseline="0" dirty="0" smtClean="0"/>
+          </a:p>
+        </p:txBody>
+      </p:sp>
+      <p:sp>
+        <p:nvSpPr>
+          <p:cNvPr id="4" name="Slide Number Placeholder 3"/>
+          <p:cNvSpPr>
+            <a:spLocks noGrp="1"/>
+          </p:cNvSpPr>
+          <p:nvPr>
+            <p:ph type="sldNum" sz="quarter" idx="10"/>
+          </p:nvPr>
+        </p:nvSpPr>
+        <p:spPr/>
+        <p:txBody>
+          <a:bodyPr/>
+          <a:lstStyle/>
+          <a:p>
+            <a:fld id="{ABE5CB41-8F34-4FAE-BDD8-10A032863583}" type="slidenum">
+              <a:rPr lang="en-IE" smtClean="0"/>
+              <a:t>12</a:t>
+            </a:fld>
+            <a:endParaRPr lang="en-IE"/>
+          </a:p>
+        </p:txBody>
+      </p:sp>
+    </p:spTree>
+    <p:extLst>
+      <p:ext uri="{BB962C8B-B14F-4D97-AF65-F5344CB8AC3E}">
+        <p14:creationId xmlns:p14="http://schemas.microsoft.com/office/powerpoint/2010/main" val="45962937"/>
+      </p:ext>
+    </p:extLst>
+  </p:cSld>
+  <p:clrMapOvr>
+    <a:masterClrMapping/>
+  </p:clrMapOvr>
+</p:notes>
+</file>
+
+<file path=ppt/notesSlides/notesSlide13.xml><?xml version="1.0" encoding="utf-8"?>
+<p:notes xmlns:a="http://schemas.openxmlformats.org/drawingml/2006/main" xmlns:r="http://schemas.openxmlformats.org/officeDocument/2006/relationships" xmlns:p="http://schemas.openxmlformats.org/presentationml/2006/main">
+  <p:cSld>
+    <p:spTree>
+      <p:nvGrpSpPr>
+        <p:cNvPr id="1" name=""/>
+        <p:cNvGrpSpPr/>
+        <p:nvPr/>
+      </p:nvGrpSpPr>
+      <p:grpSpPr>
+        <a:xfrm>
+          <a:off x="0" y="0"/>
+          <a:ext cx="0" cy="0"/>
+          <a:chOff x="0" y="0"/>
+          <a:chExt cx="0" cy="0"/>
+        </a:xfrm>
+      </p:grpSpPr>
+      <p:sp>
+        <p:nvSpPr>
+          <p:cNvPr id="2" name="Slide Image Placeholder 1"/>
+          <p:cNvSpPr>
+            <a:spLocks noGrp="1" noRot="1" noChangeAspect="1"/>
+          </p:cNvSpPr>
+          <p:nvPr>
+            <p:ph type="sldImg"/>
+          </p:nvPr>
+        </p:nvSpPr>
+        <p:spPr/>
+      </p:sp>
+      <p:sp>
+        <p:nvSpPr>
+          <p:cNvPr id="3" name="Notes Placeholder 2"/>
+          <p:cNvSpPr>
+            <a:spLocks noGrp="1"/>
+          </p:cNvSpPr>
+          <p:nvPr>
+            <p:ph type="body" idx="1"/>
+          </p:nvPr>
+        </p:nvSpPr>
+        <p:spPr/>
+        <p:txBody>
+          <a:bodyPr/>
+          <a:lstStyle/>
+          <a:p>
+            <a:endParaRPr lang="en-IE" baseline="0" dirty="0" smtClean="0"/>
+          </a:p>
+          <a:p>
+            <a:endParaRPr lang="en-IE" baseline="0" dirty="0" smtClean="0"/>
+          </a:p>
+        </p:txBody>
+      </p:sp>
+      <p:sp>
+        <p:nvSpPr>
+          <p:cNvPr id="4" name="Slide Number Placeholder 3"/>
+          <p:cNvSpPr>
+            <a:spLocks noGrp="1"/>
+          </p:cNvSpPr>
+          <p:nvPr>
+            <p:ph type="sldNum" sz="quarter" idx="10"/>
+          </p:nvPr>
+        </p:nvSpPr>
+        <p:spPr/>
+        <p:txBody>
+          <a:bodyPr/>
+          <a:lstStyle/>
+          <a:p>
+            <a:fld id="{ABE5CB41-8F34-4FAE-BDD8-10A032863583}" type="slidenum">
+              <a:rPr lang="en-IE" smtClean="0"/>
+              <a:t>13</a:t>
+            </a:fld>
+            <a:endParaRPr lang="en-IE"/>
+          </a:p>
+        </p:txBody>
+      </p:sp>
+    </p:spTree>
+    <p:extLst>
+      <p:ext uri="{BB962C8B-B14F-4D97-AF65-F5344CB8AC3E}">
+        <p14:creationId xmlns:p14="http://schemas.microsoft.com/office/powerpoint/2010/main" val="45962937"/>
+      </p:ext>
+    </p:extLst>
+  </p:cSld>
+  <p:clrMapOvr>
+    <a:masterClrMapping/>
+  </p:clrMapOvr>
+</p:notes>
+</file>
+
+<file path=ppt/notesSlides/notesSlide14.xml><?xml version="1.0" encoding="utf-8"?>
+<p:notes xmlns:a="http://schemas.openxmlformats.org/drawingml/2006/main" xmlns:r="http://schemas.openxmlformats.org/officeDocument/2006/relationships" xmlns:p="http://schemas.openxmlformats.org/presentationml/2006/main">
+  <p:cSld>
+    <p:spTree>
+      <p:nvGrpSpPr>
+        <p:cNvPr id="1" name=""/>
+        <p:cNvGrpSpPr/>
+        <p:nvPr/>
+      </p:nvGrpSpPr>
+      <p:grpSpPr>
+        <a:xfrm>
+          <a:off x="0" y="0"/>
+          <a:ext cx="0" cy="0"/>
+          <a:chOff x="0" y="0"/>
+          <a:chExt cx="0" cy="0"/>
+        </a:xfrm>
+      </p:grpSpPr>
+      <p:sp>
+        <p:nvSpPr>
+          <p:cNvPr id="2" name="Slide Image Placeholder 1"/>
+          <p:cNvSpPr>
+            <a:spLocks noGrp="1" noRot="1" noChangeAspect="1"/>
+          </p:cNvSpPr>
+          <p:nvPr>
+            <p:ph type="sldImg"/>
+          </p:nvPr>
+        </p:nvSpPr>
+        <p:spPr/>
+      </p:sp>
+      <p:sp>
+        <p:nvSpPr>
+          <p:cNvPr id="3" name="Notes Placeholder 2"/>
+          <p:cNvSpPr>
+            <a:spLocks noGrp="1"/>
+          </p:cNvSpPr>
+          <p:nvPr>
+            <p:ph type="body" idx="1"/>
+          </p:nvPr>
+        </p:nvSpPr>
+        <p:spPr/>
+        <p:txBody>
+          <a:bodyPr/>
+          <a:lstStyle/>
+          <a:p>
+            <a:r>
+              <a:rPr lang="en-IE" baseline="0" dirty="0" smtClean="0"/>
+              <a:t>Show the kids how to do this</a:t>
+            </a:r>
+          </a:p>
+          <a:p>
+            <a:endParaRPr lang="en-IE" baseline="0" dirty="0" smtClean="0"/>
+          </a:p>
+          <a:p>
+            <a:r>
+              <a:rPr lang="en-IE" baseline="0" dirty="0" smtClean="0"/>
+              <a:t>Using their own pages, and some pages from the internet</a:t>
+            </a:r>
+          </a:p>
+          <a:p>
+            <a:endParaRPr lang="en-IE" baseline="0" dirty="0" smtClean="0"/>
+          </a:p>
+          <a:p>
+            <a:endParaRPr lang="en-IE" baseline="0" dirty="0" smtClean="0"/>
+          </a:p>
+          <a:p>
+            <a:endParaRPr lang="en-IE" baseline="0" dirty="0" smtClean="0"/>
+          </a:p>
+        </p:txBody>
+      </p:sp>
+      <p:sp>
+        <p:nvSpPr>
+          <p:cNvPr id="4" name="Slide Number Placeholder 3"/>
+          <p:cNvSpPr>
+            <a:spLocks noGrp="1"/>
+          </p:cNvSpPr>
+          <p:nvPr>
+            <p:ph type="sldNum" sz="quarter" idx="10"/>
+          </p:nvPr>
+        </p:nvSpPr>
+        <p:spPr/>
+        <p:txBody>
+          <a:bodyPr/>
+          <a:lstStyle/>
+          <a:p>
+            <a:fld id="{ABE5CB41-8F34-4FAE-BDD8-10A032863583}" type="slidenum">
+              <a:rPr lang="en-IE" smtClean="0"/>
+              <a:t>14</a:t>
+            </a:fld>
+            <a:endParaRPr lang="en-IE"/>
+          </a:p>
+        </p:txBody>
+      </p:sp>
+    </p:spTree>
+    <p:extLst>
+      <p:ext uri="{BB962C8B-B14F-4D97-AF65-F5344CB8AC3E}">
+        <p14:creationId xmlns:p14="http://schemas.microsoft.com/office/powerpoint/2010/main" val="45962937"/>
+      </p:ext>
+    </p:extLst>
+  </p:cSld>
+  <p:clrMapOvr>
+    <a:masterClrMapping/>
+  </p:clrMapOvr>
+</p:notes>
+</file>
+
+<file path=ppt/notesSlides/notesSlide15.xml><?xml version="1.0" encoding="utf-8"?>
+<p:notes xmlns:a="http://schemas.openxmlformats.org/drawingml/2006/main" xmlns:r="http://schemas.openxmlformats.org/officeDocument/2006/relationships" xmlns:p="http://schemas.openxmlformats.org/presentationml/2006/main">
+  <p:cSld>
+    <p:spTree>
+      <p:nvGrpSpPr>
+        <p:cNvPr id="1" name=""/>
+        <p:cNvGrpSpPr/>
+        <p:nvPr/>
+      </p:nvGrpSpPr>
+      <p:grpSpPr>
+        <a:xfrm>
+          <a:off x="0" y="0"/>
+          <a:ext cx="0" cy="0"/>
+          <a:chOff x="0" y="0"/>
+          <a:chExt cx="0" cy="0"/>
+        </a:xfrm>
+      </p:grpSpPr>
+      <p:sp>
+        <p:nvSpPr>
+          <p:cNvPr id="2" name="Slide Image Placeholder 1"/>
+          <p:cNvSpPr>
+            <a:spLocks noGrp="1" noRot="1" noChangeAspect="1"/>
+          </p:cNvSpPr>
+          <p:nvPr>
+            <p:ph type="sldImg"/>
+          </p:nvPr>
+        </p:nvSpPr>
+        <p:spPr/>
+      </p:sp>
+      <p:sp>
+        <p:nvSpPr>
+          <p:cNvPr id="3" name="Notes Placeholder 2"/>
+          <p:cNvSpPr>
+            <a:spLocks noGrp="1"/>
+          </p:cNvSpPr>
+          <p:nvPr>
+            <p:ph type="body" idx="1"/>
+          </p:nvPr>
+        </p:nvSpPr>
+        <p:spPr/>
+        <p:txBody>
+          <a:bodyPr/>
+          <a:lstStyle/>
+          <a:p>
+            <a:endParaRPr lang="en-IE" baseline="0" dirty="0" smtClean="0"/>
+          </a:p>
+          <a:p>
+            <a:endParaRPr lang="en-IE" baseline="0" dirty="0" smtClean="0"/>
+          </a:p>
+        </p:txBody>
+      </p:sp>
+      <p:sp>
+        <p:nvSpPr>
+          <p:cNvPr id="4" name="Slide Number Placeholder 3"/>
+          <p:cNvSpPr>
+            <a:spLocks noGrp="1"/>
+          </p:cNvSpPr>
+          <p:nvPr>
+            <p:ph type="sldNum" sz="quarter" idx="10"/>
+          </p:nvPr>
+        </p:nvSpPr>
+        <p:spPr/>
+        <p:txBody>
+          <a:bodyPr/>
+          <a:lstStyle/>
+          <a:p>
+            <a:fld id="{ABE5CB41-8F34-4FAE-BDD8-10A032863583}" type="slidenum">
+              <a:rPr lang="en-IE" smtClean="0"/>
+              <a:t>15</a:t>
+            </a:fld>
+            <a:endParaRPr lang="en-IE"/>
+          </a:p>
+        </p:txBody>
+      </p:sp>
+    </p:spTree>
+    <p:extLst>
+      <p:ext uri="{BB962C8B-B14F-4D97-AF65-F5344CB8AC3E}">
+        <p14:creationId xmlns:p14="http://schemas.microsoft.com/office/powerpoint/2010/main" val="45962937"/>
+      </p:ext>
+    </p:extLst>
+  </p:cSld>
+  <p:clrMapOvr>
+    <a:masterClrMapping/>
+  </p:clrMapOvr>
+</p:notes>
+</file>
+
+<file path=ppt/notesSlides/notesSlide16.xml><?xml version="1.0" encoding="utf-8"?>
+<p:notes xmlns:a="http://schemas.openxmlformats.org/drawingml/2006/main" xmlns:r="http://schemas.openxmlformats.org/officeDocument/2006/relationships" xmlns:p="http://schemas.openxmlformats.org/presentationml/2006/main">
+  <p:cSld>
+    <p:spTree>
+      <p:nvGrpSpPr>
+        <p:cNvPr id="1" name=""/>
+        <p:cNvGrpSpPr/>
+        <p:nvPr/>
+      </p:nvGrpSpPr>
+      <p:grpSpPr>
+        <a:xfrm>
+          <a:off x="0" y="0"/>
+          <a:ext cx="0" cy="0"/>
+          <a:chOff x="0" y="0"/>
+          <a:chExt cx="0" cy="0"/>
+        </a:xfrm>
+      </p:grpSpPr>
+      <p:sp>
+        <p:nvSpPr>
+          <p:cNvPr id="2" name="Slide Image Placeholder 1"/>
+          <p:cNvSpPr>
+            <a:spLocks noGrp="1" noRot="1" noChangeAspect="1"/>
+          </p:cNvSpPr>
+          <p:nvPr>
+            <p:ph type="sldImg"/>
+          </p:nvPr>
+        </p:nvSpPr>
+        <p:spPr/>
+      </p:sp>
+      <p:sp>
+        <p:nvSpPr>
+          <p:cNvPr id="3" name="Notes Placeholder 2"/>
+          <p:cNvSpPr>
+            <a:spLocks noGrp="1"/>
+          </p:cNvSpPr>
+          <p:nvPr>
+            <p:ph type="body" idx="1"/>
+          </p:nvPr>
+        </p:nvSpPr>
+        <p:spPr/>
+        <p:txBody>
+          <a:bodyPr/>
+          <a:lstStyle/>
+          <a:p>
+            <a:endParaRPr lang="en-IE" baseline="0" dirty="0" smtClean="0"/>
+          </a:p>
+          <a:p>
+            <a:r>
+              <a:rPr lang="en-IE" baseline="0" dirty="0" smtClean="0"/>
+              <a:t>Now we’ll show the CSS code for the submenu class</a:t>
+            </a:r>
+          </a:p>
+          <a:p>
+            <a:endParaRPr lang="en-IE" baseline="0" dirty="0" smtClean="0"/>
+          </a:p>
+          <a:p>
+            <a:r>
+              <a:rPr lang="en-IE" baseline="0" dirty="0" smtClean="0"/>
+              <a:t>Best to do this using the two sample code files</a:t>
+            </a:r>
+          </a:p>
+        </p:txBody>
+      </p:sp>
+      <p:sp>
+        <p:nvSpPr>
+          <p:cNvPr id="4" name="Slide Number Placeholder 3"/>
+          <p:cNvSpPr>
+            <a:spLocks noGrp="1"/>
+          </p:cNvSpPr>
+          <p:nvPr>
+            <p:ph type="sldNum" sz="quarter" idx="10"/>
+          </p:nvPr>
+        </p:nvSpPr>
+        <p:spPr/>
+        <p:txBody>
+          <a:bodyPr/>
+          <a:lstStyle/>
+          <a:p>
+            <a:fld id="{ABE5CB41-8F34-4FAE-BDD8-10A032863583}" type="slidenum">
+              <a:rPr lang="en-IE" smtClean="0"/>
+              <a:t>16</a:t>
+            </a:fld>
+            <a:endParaRPr lang="en-IE"/>
+          </a:p>
+        </p:txBody>
+      </p:sp>
+    </p:spTree>
+    <p:extLst>
+      <p:ext uri="{BB962C8B-B14F-4D97-AF65-F5344CB8AC3E}">
+        <p14:creationId xmlns:p14="http://schemas.microsoft.com/office/powerpoint/2010/main" val="45962937"/>
+      </p:ext>
+    </p:extLst>
+  </p:cSld>
+  <p:clrMapOvr>
+    <a:masterClrMapping/>
+  </p:clrMapOvr>
+</p:notes>
+</file>
+
+<file path=ppt/notesSlides/notesSlide17.xml><?xml version="1.0" encoding="utf-8"?>
+<p:notes xmlns:a="http://schemas.openxmlformats.org/drawingml/2006/main" xmlns:r="http://schemas.openxmlformats.org/officeDocument/2006/relationships" xmlns:p="http://schemas.openxmlformats.org/presentationml/2006/main">
+  <p:cSld>
+    <p:spTree>
+      <p:nvGrpSpPr>
+        <p:cNvPr id="1" name=""/>
+        <p:cNvGrpSpPr/>
+        <p:nvPr/>
+      </p:nvGrpSpPr>
+      <p:grpSpPr>
+        <a:xfrm>
+          <a:off x="0" y="0"/>
+          <a:ext cx="0" cy="0"/>
+          <a:chOff x="0" y="0"/>
+          <a:chExt cx="0" cy="0"/>
+        </a:xfrm>
+      </p:grpSpPr>
+      <p:sp>
+        <p:nvSpPr>
+          <p:cNvPr id="2" name="Slide Image Placeholder 1"/>
+          <p:cNvSpPr>
+            <a:spLocks noGrp="1" noRot="1" noChangeAspect="1"/>
+          </p:cNvSpPr>
+          <p:nvPr>
+            <p:ph type="sldImg"/>
+          </p:nvPr>
+        </p:nvSpPr>
+        <p:spPr/>
+      </p:sp>
+      <p:sp>
+        <p:nvSpPr>
+          <p:cNvPr id="3" name="Notes Placeholder 2"/>
+          <p:cNvSpPr>
+            <a:spLocks noGrp="1"/>
+          </p:cNvSpPr>
+          <p:nvPr>
+            <p:ph type="body" idx="1"/>
+          </p:nvPr>
+        </p:nvSpPr>
+        <p:spPr/>
+        <p:txBody>
+          <a:bodyPr/>
+          <a:lstStyle/>
+          <a:p>
+            <a:endParaRPr lang="en-IE" baseline="0" dirty="0" smtClean="0"/>
+          </a:p>
+        </p:txBody>
+      </p:sp>
+      <p:sp>
+        <p:nvSpPr>
+          <p:cNvPr id="4" name="Slide Number Placeholder 3"/>
+          <p:cNvSpPr>
+            <a:spLocks noGrp="1"/>
+          </p:cNvSpPr>
+          <p:nvPr>
+            <p:ph type="sldNum" sz="quarter" idx="10"/>
+          </p:nvPr>
+        </p:nvSpPr>
+        <p:spPr/>
+        <p:txBody>
+          <a:bodyPr/>
+          <a:lstStyle/>
+          <a:p>
+            <a:fld id="{ABE5CB41-8F34-4FAE-BDD8-10A032863583}" type="slidenum">
+              <a:rPr lang="en-IE" smtClean="0"/>
+              <a:t>17</a:t>
+            </a:fld>
+            <a:endParaRPr lang="en-IE"/>
+          </a:p>
+        </p:txBody>
+      </p:sp>
+    </p:spTree>
+    <p:extLst>
+      <p:ext uri="{BB962C8B-B14F-4D97-AF65-F5344CB8AC3E}">
+        <p14:creationId xmlns:p14="http://schemas.microsoft.com/office/powerpoint/2010/main" val="45962937"/>
+      </p:ext>
+    </p:extLst>
+  </p:cSld>
+  <p:clrMapOvr>
+    <a:masterClrMapping/>
+  </p:clrMapOvr>
+</p:notes>
+</file>
+
+<file path=ppt/notesSlides/notesSlide18.xml><?xml version="1.0" encoding="utf-8"?>
+<p:notes xmlns:a="http://schemas.openxmlformats.org/drawingml/2006/main" xmlns:r="http://schemas.openxmlformats.org/officeDocument/2006/relationships" xmlns:p="http://schemas.openxmlformats.org/presentationml/2006/main">
+  <p:cSld>
+    <p:spTree>
+      <p:nvGrpSpPr>
+        <p:cNvPr id="1" name=""/>
+        <p:cNvGrpSpPr/>
+        <p:nvPr/>
+      </p:nvGrpSpPr>
+      <p:grpSpPr>
+        <a:xfrm>
+          <a:off x="0" y="0"/>
+          <a:ext cx="0" cy="0"/>
+          <a:chOff x="0" y="0"/>
+          <a:chExt cx="0" cy="0"/>
+        </a:xfrm>
+      </p:grpSpPr>
+      <p:sp>
+        <p:nvSpPr>
+          <p:cNvPr id="2" name="Slide Image Placeholder 1"/>
+          <p:cNvSpPr>
+            <a:spLocks noGrp="1" noRot="1" noChangeAspect="1"/>
+          </p:cNvSpPr>
+          <p:nvPr>
+            <p:ph type="sldImg"/>
+          </p:nvPr>
+        </p:nvSpPr>
+        <p:spPr/>
+      </p:sp>
+      <p:sp>
+        <p:nvSpPr>
+          <p:cNvPr id="3" name="Notes Placeholder 2"/>
+          <p:cNvSpPr>
+            <a:spLocks noGrp="1"/>
+          </p:cNvSpPr>
+          <p:nvPr>
+            <p:ph type="body" idx="1"/>
+          </p:nvPr>
+        </p:nvSpPr>
+        <p:spPr/>
+        <p:txBody>
+          <a:bodyPr/>
+          <a:lstStyle/>
+          <a:p>
+            <a:endParaRPr lang="en-IE" baseline="0" dirty="0" smtClean="0"/>
+          </a:p>
+          <a:p>
+            <a:endParaRPr lang="en-IE" baseline="0" dirty="0" smtClean="0"/>
+          </a:p>
+        </p:txBody>
+      </p:sp>
+      <p:sp>
+        <p:nvSpPr>
+          <p:cNvPr id="4" name="Slide Number Placeholder 3"/>
+          <p:cNvSpPr>
+            <a:spLocks noGrp="1"/>
+          </p:cNvSpPr>
+          <p:nvPr>
+            <p:ph type="sldNum" sz="quarter" idx="10"/>
+          </p:nvPr>
+        </p:nvSpPr>
+        <p:spPr/>
+        <p:txBody>
+          <a:bodyPr/>
+          <a:lstStyle/>
+          <a:p>
+            <a:fld id="{ABE5CB41-8F34-4FAE-BDD8-10A032863583}" type="slidenum">
+              <a:rPr lang="en-IE" smtClean="0"/>
+              <a:t>18</a:t>
+            </a:fld>
+            <a:endParaRPr lang="en-IE"/>
+          </a:p>
+        </p:txBody>
+      </p:sp>
+    </p:spTree>
+    <p:extLst>
+      <p:ext uri="{BB962C8B-B14F-4D97-AF65-F5344CB8AC3E}">
+        <p14:creationId xmlns:p14="http://schemas.microsoft.com/office/powerpoint/2010/main" val="45962937"/>
+      </p:ext>
+    </p:extLst>
+  </p:cSld>
+  <p:clrMapOvr>
+    <a:masterClrMapping/>
+  </p:clrMapOvr>
+</p:notes>
+</file>
+
+<file path=ppt/notesSlides/notesSlide19.xml><?xml version="1.0" encoding="utf-8"?>
+<p:notes xmlns:a="http://schemas.openxmlformats.org/drawingml/2006/main" xmlns:r="http://schemas.openxmlformats.org/officeDocument/2006/relationships" xmlns:p="http://schemas.openxmlformats.org/presentationml/2006/main">
+  <p:cSld>
+    <p:spTree>
+      <p:nvGrpSpPr>
+        <p:cNvPr id="1" name=""/>
+        <p:cNvGrpSpPr/>
+        <p:nvPr/>
+      </p:nvGrpSpPr>
+      <p:grpSpPr>
+        <a:xfrm>
+          <a:off x="0" y="0"/>
+          <a:ext cx="0" cy="0"/>
+          <a:chOff x="0" y="0"/>
+          <a:chExt cx="0" cy="0"/>
+        </a:xfrm>
+      </p:grpSpPr>
+      <p:sp>
+        <p:nvSpPr>
+          <p:cNvPr id="2" name="Slide Image Placeholder 1"/>
+          <p:cNvSpPr>
+            <a:spLocks noGrp="1" noRot="1" noChangeAspect="1"/>
+          </p:cNvSpPr>
+          <p:nvPr>
+            <p:ph type="sldImg"/>
+          </p:nvPr>
+        </p:nvSpPr>
+        <p:spPr/>
+      </p:sp>
+      <p:sp>
+        <p:nvSpPr>
+          <p:cNvPr id="3" name="Notes Placeholder 2"/>
+          <p:cNvSpPr>
+            <a:spLocks noGrp="1"/>
+          </p:cNvSpPr>
+          <p:nvPr>
+            <p:ph type="body" idx="1"/>
+          </p:nvPr>
+        </p:nvSpPr>
+        <p:spPr/>
+        <p:txBody>
+          <a:bodyPr/>
+          <a:lstStyle/>
+          <a:p>
+            <a:endParaRPr lang="en-IE" baseline="0" dirty="0" smtClean="0"/>
+          </a:p>
+        </p:txBody>
+      </p:sp>
+      <p:sp>
+        <p:nvSpPr>
+          <p:cNvPr id="4" name="Slide Number Placeholder 3"/>
+          <p:cNvSpPr>
+            <a:spLocks noGrp="1"/>
+          </p:cNvSpPr>
+          <p:nvPr>
+            <p:ph type="sldNum" sz="quarter" idx="10"/>
+          </p:nvPr>
+        </p:nvSpPr>
+        <p:spPr/>
+        <p:txBody>
+          <a:bodyPr/>
+          <a:lstStyle/>
+          <a:p>
+            <a:fld id="{ABE5CB41-8F34-4FAE-BDD8-10A032863583}" type="slidenum">
+              <a:rPr lang="en-IE" smtClean="0"/>
+              <a:t>19</a:t>
+            </a:fld>
+            <a:endParaRPr lang="en-IE"/>
+          </a:p>
+        </p:txBody>
+      </p:sp>
+    </p:spTree>
+    <p:extLst>
+      <p:ext uri="{BB962C8B-B14F-4D97-AF65-F5344CB8AC3E}">
+        <p14:creationId xmlns:p14="http://schemas.microsoft.com/office/powerpoint/2010/main" val="2154761357"/>
+      </p:ext>
+    </p:extLst>
+  </p:cSld>
+  <p:clrMapOvr>
+    <a:masterClrMapping/>
+  </p:clrMapOvr>
+</p:notes>
+</file>
+
 <file path=ppt/notesSlides/notesSlide2.xml><?xml version="1.0" encoding="utf-8"?>
 <p:notes xmlns:a="http://schemas.openxmlformats.org/drawingml/2006/main" xmlns:r="http://schemas.openxmlformats.org/officeDocument/2006/relationships" xmlns:p="http://schemas.openxmlformats.org/presentationml/2006/main">
   <p:cSld>
@@ -622,6 +1580,93 @@
     <p:extLst>
       <p:ext uri="{BB962C8B-B14F-4D97-AF65-F5344CB8AC3E}">
         <p14:creationId xmlns:p14="http://schemas.microsoft.com/office/powerpoint/2010/main" val="564335125"/>
+      </p:ext>
+    </p:extLst>
+  </p:cSld>
+  <p:clrMapOvr>
+    <a:masterClrMapping/>
+  </p:clrMapOvr>
+</p:notes>
+</file>
+
+<file path=ppt/notesSlides/notesSlide20.xml><?xml version="1.0" encoding="utf-8"?>
+<p:notes xmlns:a="http://schemas.openxmlformats.org/drawingml/2006/main" xmlns:r="http://schemas.openxmlformats.org/officeDocument/2006/relationships" xmlns:p="http://schemas.openxmlformats.org/presentationml/2006/main">
+  <p:cSld>
+    <p:spTree>
+      <p:nvGrpSpPr>
+        <p:cNvPr id="1" name=""/>
+        <p:cNvGrpSpPr/>
+        <p:nvPr/>
+      </p:nvGrpSpPr>
+      <p:grpSpPr>
+        <a:xfrm>
+          <a:off x="0" y="0"/>
+          <a:ext cx="0" cy="0"/>
+          <a:chOff x="0" y="0"/>
+          <a:chExt cx="0" cy="0"/>
+        </a:xfrm>
+      </p:grpSpPr>
+      <p:sp>
+        <p:nvSpPr>
+          <p:cNvPr id="2" name="Slide Image Placeholder 1"/>
+          <p:cNvSpPr>
+            <a:spLocks noGrp="1" noRot="1" noChangeAspect="1"/>
+          </p:cNvSpPr>
+          <p:nvPr>
+            <p:ph type="sldImg"/>
+          </p:nvPr>
+        </p:nvSpPr>
+        <p:spPr/>
+      </p:sp>
+      <p:sp>
+        <p:nvSpPr>
+          <p:cNvPr id="3" name="Notes Placeholder 2"/>
+          <p:cNvSpPr>
+            <a:spLocks noGrp="1"/>
+          </p:cNvSpPr>
+          <p:nvPr>
+            <p:ph type="body" idx="1"/>
+          </p:nvPr>
+        </p:nvSpPr>
+        <p:spPr/>
+        <p:txBody>
+          <a:bodyPr/>
+          <a:lstStyle/>
+          <a:p>
+            <a:endParaRPr lang="en-IE" baseline="0" dirty="0" smtClean="0"/>
+          </a:p>
+          <a:p>
+            <a:endParaRPr lang="en-IE" baseline="0" dirty="0" smtClean="0"/>
+          </a:p>
+        </p:txBody>
+      </p:sp>
+      <p:sp>
+        <p:nvSpPr>
+          <p:cNvPr id="4" name="Slide Number Placeholder 3"/>
+          <p:cNvSpPr>
+            <a:spLocks noGrp="1"/>
+          </p:cNvSpPr>
+          <p:nvPr>
+            <p:ph type="sldNum" sz="quarter" idx="10"/>
+          </p:nvPr>
+        </p:nvSpPr>
+        <p:spPr/>
+        <p:txBody>
+          <a:bodyPr/>
+          <a:lstStyle/>
+          <a:p>
+            <a:fld id="{ABE5CB41-8F34-4FAE-BDD8-10A032863583}" type="slidenum">
+              <a:rPr lang="en-IE" smtClean="0"/>
+              <a:t>20</a:t>
+            </a:fld>
+            <a:endParaRPr lang="en-IE"/>
+          </a:p>
+        </p:txBody>
+      </p:sp>
+    </p:spTree>
+    <p:extLst>
+      <p:ext uri="{BB962C8B-B14F-4D97-AF65-F5344CB8AC3E}">
+        <p14:creationId xmlns:p14="http://schemas.microsoft.com/office/powerpoint/2010/main" val="45962937"/>
       </p:ext>
     </p:extLst>
   </p:cSld>
@@ -791,8 +1836,14 @@
           <a:p>
             <a:r>
               <a:rPr lang="en-IE" baseline="0" dirty="0" smtClean="0"/>
-              <a:t>This time we want to use the Developer Tools in Chrome to play with CSS.</a:t>
-            </a:r>
+              <a:t>This time we want to use the Developer Tools in Chrome to play with CSS</a:t>
+            </a:r>
+            <a:r>
+              <a:rPr lang="en-IE" baseline="0" dirty="0" smtClean="0"/>
+              <a:t>.</a:t>
+            </a:r>
+          </a:p>
+          <a:p>
             <a:endParaRPr lang="en-IE" baseline="0" dirty="0" smtClean="0"/>
           </a:p>
         </p:txBody>
@@ -815,6 +1866,484 @@
             <a:fld id="{ABE5CB41-8F34-4FAE-BDD8-10A032863583}" type="slidenum">
               <a:rPr lang="en-IE" smtClean="0"/>
               <a:t>4</a:t>
+            </a:fld>
+            <a:endParaRPr lang="en-IE"/>
+          </a:p>
+        </p:txBody>
+      </p:sp>
+    </p:spTree>
+    <p:extLst>
+      <p:ext uri="{BB962C8B-B14F-4D97-AF65-F5344CB8AC3E}">
+        <p14:creationId xmlns:p14="http://schemas.microsoft.com/office/powerpoint/2010/main" val="45962937"/>
+      </p:ext>
+    </p:extLst>
+  </p:cSld>
+  <p:clrMapOvr>
+    <a:masterClrMapping/>
+  </p:clrMapOvr>
+</p:notes>
+</file>
+
+<file path=ppt/notesSlides/notesSlide5.xml><?xml version="1.0" encoding="utf-8"?>
+<p:notes xmlns:a="http://schemas.openxmlformats.org/drawingml/2006/main" xmlns:r="http://schemas.openxmlformats.org/officeDocument/2006/relationships" xmlns:p="http://schemas.openxmlformats.org/presentationml/2006/main">
+  <p:cSld>
+    <p:spTree>
+      <p:nvGrpSpPr>
+        <p:cNvPr id="1" name=""/>
+        <p:cNvGrpSpPr/>
+        <p:nvPr/>
+      </p:nvGrpSpPr>
+      <p:grpSpPr>
+        <a:xfrm>
+          <a:off x="0" y="0"/>
+          <a:ext cx="0" cy="0"/>
+          <a:chOff x="0" y="0"/>
+          <a:chExt cx="0" cy="0"/>
+        </a:xfrm>
+      </p:grpSpPr>
+      <p:sp>
+        <p:nvSpPr>
+          <p:cNvPr id="2" name="Slide Image Placeholder 1"/>
+          <p:cNvSpPr>
+            <a:spLocks noGrp="1" noRot="1" noChangeAspect="1"/>
+          </p:cNvSpPr>
+          <p:nvPr>
+            <p:ph type="sldImg"/>
+          </p:nvPr>
+        </p:nvSpPr>
+        <p:spPr/>
+      </p:sp>
+      <p:sp>
+        <p:nvSpPr>
+          <p:cNvPr id="3" name="Notes Placeholder 2"/>
+          <p:cNvSpPr>
+            <a:spLocks noGrp="1"/>
+          </p:cNvSpPr>
+          <p:nvPr>
+            <p:ph type="body" idx="1"/>
+          </p:nvPr>
+        </p:nvSpPr>
+        <p:spPr/>
+        <p:txBody>
+          <a:bodyPr/>
+          <a:lstStyle/>
+          <a:p>
+            <a:endParaRPr lang="en-IE" baseline="0" dirty="0" smtClean="0"/>
+          </a:p>
+        </p:txBody>
+      </p:sp>
+      <p:sp>
+        <p:nvSpPr>
+          <p:cNvPr id="4" name="Slide Number Placeholder 3"/>
+          <p:cNvSpPr>
+            <a:spLocks noGrp="1"/>
+          </p:cNvSpPr>
+          <p:nvPr>
+            <p:ph type="sldNum" sz="quarter" idx="10"/>
+          </p:nvPr>
+        </p:nvSpPr>
+        <p:spPr/>
+        <p:txBody>
+          <a:bodyPr/>
+          <a:lstStyle/>
+          <a:p>
+            <a:fld id="{ABE5CB41-8F34-4FAE-BDD8-10A032863583}" type="slidenum">
+              <a:rPr lang="en-IE" smtClean="0"/>
+              <a:t>5</a:t>
+            </a:fld>
+            <a:endParaRPr lang="en-IE"/>
+          </a:p>
+        </p:txBody>
+      </p:sp>
+    </p:spTree>
+    <p:extLst>
+      <p:ext uri="{BB962C8B-B14F-4D97-AF65-F5344CB8AC3E}">
+        <p14:creationId xmlns:p14="http://schemas.microsoft.com/office/powerpoint/2010/main" val="45962937"/>
+      </p:ext>
+    </p:extLst>
+  </p:cSld>
+  <p:clrMapOvr>
+    <a:masterClrMapping/>
+  </p:clrMapOvr>
+</p:notes>
+</file>
+
+<file path=ppt/notesSlides/notesSlide6.xml><?xml version="1.0" encoding="utf-8"?>
+<p:notes xmlns:a="http://schemas.openxmlformats.org/drawingml/2006/main" xmlns:r="http://schemas.openxmlformats.org/officeDocument/2006/relationships" xmlns:p="http://schemas.openxmlformats.org/presentationml/2006/main">
+  <p:cSld>
+    <p:spTree>
+      <p:nvGrpSpPr>
+        <p:cNvPr id="1" name=""/>
+        <p:cNvGrpSpPr/>
+        <p:nvPr/>
+      </p:nvGrpSpPr>
+      <p:grpSpPr>
+        <a:xfrm>
+          <a:off x="0" y="0"/>
+          <a:ext cx="0" cy="0"/>
+          <a:chOff x="0" y="0"/>
+          <a:chExt cx="0" cy="0"/>
+        </a:xfrm>
+      </p:grpSpPr>
+      <p:sp>
+        <p:nvSpPr>
+          <p:cNvPr id="2" name="Slide Image Placeholder 1"/>
+          <p:cNvSpPr>
+            <a:spLocks noGrp="1" noRot="1" noChangeAspect="1"/>
+          </p:cNvSpPr>
+          <p:nvPr>
+            <p:ph type="sldImg"/>
+          </p:nvPr>
+        </p:nvSpPr>
+        <p:spPr/>
+      </p:sp>
+      <p:sp>
+        <p:nvSpPr>
+          <p:cNvPr id="3" name="Notes Placeholder 2"/>
+          <p:cNvSpPr>
+            <a:spLocks noGrp="1"/>
+          </p:cNvSpPr>
+          <p:nvPr>
+            <p:ph type="body" idx="1"/>
+          </p:nvPr>
+        </p:nvSpPr>
+        <p:spPr/>
+        <p:txBody>
+          <a:bodyPr/>
+          <a:lstStyle/>
+          <a:p>
+            <a:r>
+              <a:rPr lang="en-IE" baseline="0" dirty="0" smtClean="0"/>
+              <a:t>There are two ways of easily identifying parts of your HTML document, so that you can attach styles to them</a:t>
+            </a:r>
+          </a:p>
+          <a:p>
+            <a:endParaRPr lang="en-IE" baseline="0" dirty="0" smtClean="0"/>
+          </a:p>
+          <a:p>
+            <a:r>
+              <a:rPr lang="en-IE" b="1" baseline="0" dirty="0" smtClean="0"/>
+              <a:t>id</a:t>
+            </a:r>
+            <a:r>
+              <a:rPr lang="en-IE" baseline="0" dirty="0" smtClean="0"/>
+              <a:t>= is used when you want to uniquely identify one item on a page and apply a particular style to it</a:t>
+            </a:r>
+          </a:p>
+          <a:p>
+            <a:endParaRPr lang="en-IE" baseline="0" dirty="0" smtClean="0"/>
+          </a:p>
+          <a:p>
+            <a:r>
+              <a:rPr lang="en-IE" b="1" baseline="0" dirty="0" smtClean="0"/>
+              <a:t>class</a:t>
+            </a:r>
+            <a:r>
+              <a:rPr lang="en-IE" baseline="0" dirty="0" smtClean="0"/>
+              <a:t>= is used when you want to apply the same style to multiple things on the page.</a:t>
+            </a:r>
+          </a:p>
+        </p:txBody>
+      </p:sp>
+      <p:sp>
+        <p:nvSpPr>
+          <p:cNvPr id="4" name="Slide Number Placeholder 3"/>
+          <p:cNvSpPr>
+            <a:spLocks noGrp="1"/>
+          </p:cNvSpPr>
+          <p:nvPr>
+            <p:ph type="sldNum" sz="quarter" idx="10"/>
+          </p:nvPr>
+        </p:nvSpPr>
+        <p:spPr/>
+        <p:txBody>
+          <a:bodyPr/>
+          <a:lstStyle/>
+          <a:p>
+            <a:fld id="{ABE5CB41-8F34-4FAE-BDD8-10A032863583}" type="slidenum">
+              <a:rPr lang="en-IE" smtClean="0"/>
+              <a:t>6</a:t>
+            </a:fld>
+            <a:endParaRPr lang="en-IE"/>
+          </a:p>
+        </p:txBody>
+      </p:sp>
+    </p:spTree>
+    <p:extLst>
+      <p:ext uri="{BB962C8B-B14F-4D97-AF65-F5344CB8AC3E}">
+        <p14:creationId xmlns:p14="http://schemas.microsoft.com/office/powerpoint/2010/main" val="45962937"/>
+      </p:ext>
+    </p:extLst>
+  </p:cSld>
+  <p:clrMapOvr>
+    <a:masterClrMapping/>
+  </p:clrMapOvr>
+</p:notes>
+</file>
+
+<file path=ppt/notesSlides/notesSlide7.xml><?xml version="1.0" encoding="utf-8"?>
+<p:notes xmlns:a="http://schemas.openxmlformats.org/drawingml/2006/main" xmlns:r="http://schemas.openxmlformats.org/officeDocument/2006/relationships" xmlns:p="http://schemas.openxmlformats.org/presentationml/2006/main">
+  <p:cSld>
+    <p:spTree>
+      <p:nvGrpSpPr>
+        <p:cNvPr id="1" name=""/>
+        <p:cNvGrpSpPr/>
+        <p:nvPr/>
+      </p:nvGrpSpPr>
+      <p:grpSpPr>
+        <a:xfrm>
+          <a:off x="0" y="0"/>
+          <a:ext cx="0" cy="0"/>
+          <a:chOff x="0" y="0"/>
+          <a:chExt cx="0" cy="0"/>
+        </a:xfrm>
+      </p:grpSpPr>
+      <p:sp>
+        <p:nvSpPr>
+          <p:cNvPr id="2" name="Slide Image Placeholder 1"/>
+          <p:cNvSpPr>
+            <a:spLocks noGrp="1" noRot="1" noChangeAspect="1"/>
+          </p:cNvSpPr>
+          <p:nvPr>
+            <p:ph type="sldImg"/>
+          </p:nvPr>
+        </p:nvSpPr>
+        <p:spPr/>
+      </p:sp>
+      <p:sp>
+        <p:nvSpPr>
+          <p:cNvPr id="3" name="Notes Placeholder 2"/>
+          <p:cNvSpPr>
+            <a:spLocks noGrp="1"/>
+          </p:cNvSpPr>
+          <p:nvPr>
+            <p:ph type="body" idx="1"/>
+          </p:nvPr>
+        </p:nvSpPr>
+        <p:spPr/>
+        <p:txBody>
+          <a:bodyPr/>
+          <a:lstStyle/>
+          <a:p>
+            <a:r>
+              <a:rPr lang="en-IE" baseline="0" dirty="0" smtClean="0"/>
+              <a:t>There are two ways of easily identifying parts of your HTML document, so that you can attach styles to them</a:t>
+            </a:r>
+          </a:p>
+          <a:p>
+            <a:endParaRPr lang="en-IE" baseline="0" dirty="0" smtClean="0"/>
+          </a:p>
+          <a:p>
+            <a:r>
+              <a:rPr lang="en-IE" b="1" baseline="0" dirty="0" smtClean="0"/>
+              <a:t>id</a:t>
+            </a:r>
+            <a:r>
+              <a:rPr lang="en-IE" baseline="0" dirty="0" smtClean="0"/>
+              <a:t>= is used when you want to uniquely identify one item on a page and apply a particular style to it</a:t>
+            </a:r>
+          </a:p>
+          <a:p>
+            <a:endParaRPr lang="en-IE" baseline="0" dirty="0" smtClean="0"/>
+          </a:p>
+          <a:p>
+            <a:r>
+              <a:rPr lang="en-IE" b="1" baseline="0" dirty="0" smtClean="0"/>
+              <a:t>class</a:t>
+            </a:r>
+            <a:r>
+              <a:rPr lang="en-IE" baseline="0" dirty="0" smtClean="0"/>
+              <a:t>= is used when you want to apply the same style to multiple things on the page.</a:t>
+            </a:r>
+          </a:p>
+        </p:txBody>
+      </p:sp>
+      <p:sp>
+        <p:nvSpPr>
+          <p:cNvPr id="4" name="Slide Number Placeholder 3"/>
+          <p:cNvSpPr>
+            <a:spLocks noGrp="1"/>
+          </p:cNvSpPr>
+          <p:nvPr>
+            <p:ph type="sldNum" sz="quarter" idx="10"/>
+          </p:nvPr>
+        </p:nvSpPr>
+        <p:spPr/>
+        <p:txBody>
+          <a:bodyPr/>
+          <a:lstStyle/>
+          <a:p>
+            <a:fld id="{ABE5CB41-8F34-4FAE-BDD8-10A032863583}" type="slidenum">
+              <a:rPr lang="en-IE" smtClean="0"/>
+              <a:t>7</a:t>
+            </a:fld>
+            <a:endParaRPr lang="en-IE"/>
+          </a:p>
+        </p:txBody>
+      </p:sp>
+    </p:spTree>
+    <p:extLst>
+      <p:ext uri="{BB962C8B-B14F-4D97-AF65-F5344CB8AC3E}">
+        <p14:creationId xmlns:p14="http://schemas.microsoft.com/office/powerpoint/2010/main" val="45962937"/>
+      </p:ext>
+    </p:extLst>
+  </p:cSld>
+  <p:clrMapOvr>
+    <a:masterClrMapping/>
+  </p:clrMapOvr>
+</p:notes>
+</file>
+
+<file path=ppt/notesSlides/notesSlide8.xml><?xml version="1.0" encoding="utf-8"?>
+<p:notes xmlns:a="http://schemas.openxmlformats.org/drawingml/2006/main" xmlns:r="http://schemas.openxmlformats.org/officeDocument/2006/relationships" xmlns:p="http://schemas.openxmlformats.org/presentationml/2006/main">
+  <p:cSld>
+    <p:spTree>
+      <p:nvGrpSpPr>
+        <p:cNvPr id="1" name=""/>
+        <p:cNvGrpSpPr/>
+        <p:nvPr/>
+      </p:nvGrpSpPr>
+      <p:grpSpPr>
+        <a:xfrm>
+          <a:off x="0" y="0"/>
+          <a:ext cx="0" cy="0"/>
+          <a:chOff x="0" y="0"/>
+          <a:chExt cx="0" cy="0"/>
+        </a:xfrm>
+      </p:grpSpPr>
+      <p:sp>
+        <p:nvSpPr>
+          <p:cNvPr id="2" name="Slide Image Placeholder 1"/>
+          <p:cNvSpPr>
+            <a:spLocks noGrp="1" noRot="1" noChangeAspect="1"/>
+          </p:cNvSpPr>
+          <p:nvPr>
+            <p:ph type="sldImg"/>
+          </p:nvPr>
+        </p:nvSpPr>
+        <p:spPr/>
+      </p:sp>
+      <p:sp>
+        <p:nvSpPr>
+          <p:cNvPr id="3" name="Notes Placeholder 2"/>
+          <p:cNvSpPr>
+            <a:spLocks noGrp="1"/>
+          </p:cNvSpPr>
+          <p:nvPr>
+            <p:ph type="body" idx="1"/>
+          </p:nvPr>
+        </p:nvSpPr>
+        <p:spPr/>
+        <p:txBody>
+          <a:bodyPr/>
+          <a:lstStyle/>
+          <a:p>
+            <a:endParaRPr lang="en-IE" baseline="0" dirty="0" smtClean="0"/>
+          </a:p>
+        </p:txBody>
+      </p:sp>
+      <p:sp>
+        <p:nvSpPr>
+          <p:cNvPr id="4" name="Slide Number Placeholder 3"/>
+          <p:cNvSpPr>
+            <a:spLocks noGrp="1"/>
+          </p:cNvSpPr>
+          <p:nvPr>
+            <p:ph type="sldNum" sz="quarter" idx="10"/>
+          </p:nvPr>
+        </p:nvSpPr>
+        <p:spPr/>
+        <p:txBody>
+          <a:bodyPr/>
+          <a:lstStyle/>
+          <a:p>
+            <a:fld id="{ABE5CB41-8F34-4FAE-BDD8-10A032863583}" type="slidenum">
+              <a:rPr lang="en-IE" smtClean="0"/>
+              <a:t>8</a:t>
+            </a:fld>
+            <a:endParaRPr lang="en-IE"/>
+          </a:p>
+        </p:txBody>
+      </p:sp>
+    </p:spTree>
+    <p:extLst>
+      <p:ext uri="{BB962C8B-B14F-4D97-AF65-F5344CB8AC3E}">
+        <p14:creationId xmlns:p14="http://schemas.microsoft.com/office/powerpoint/2010/main" val="45962937"/>
+      </p:ext>
+    </p:extLst>
+  </p:cSld>
+  <p:clrMapOvr>
+    <a:masterClrMapping/>
+  </p:clrMapOvr>
+</p:notes>
+</file>
+
+<file path=ppt/notesSlides/notesSlide9.xml><?xml version="1.0" encoding="utf-8"?>
+<p:notes xmlns:a="http://schemas.openxmlformats.org/drawingml/2006/main" xmlns:r="http://schemas.openxmlformats.org/officeDocument/2006/relationships" xmlns:p="http://schemas.openxmlformats.org/presentationml/2006/main">
+  <p:cSld>
+    <p:spTree>
+      <p:nvGrpSpPr>
+        <p:cNvPr id="1" name=""/>
+        <p:cNvGrpSpPr/>
+        <p:nvPr/>
+      </p:nvGrpSpPr>
+      <p:grpSpPr>
+        <a:xfrm>
+          <a:off x="0" y="0"/>
+          <a:ext cx="0" cy="0"/>
+          <a:chOff x="0" y="0"/>
+          <a:chExt cx="0" cy="0"/>
+        </a:xfrm>
+      </p:grpSpPr>
+      <p:sp>
+        <p:nvSpPr>
+          <p:cNvPr id="2" name="Slide Image Placeholder 1"/>
+          <p:cNvSpPr>
+            <a:spLocks noGrp="1" noRot="1" noChangeAspect="1"/>
+          </p:cNvSpPr>
+          <p:nvPr>
+            <p:ph type="sldImg"/>
+          </p:nvPr>
+        </p:nvSpPr>
+        <p:spPr/>
+      </p:sp>
+      <p:sp>
+        <p:nvSpPr>
+          <p:cNvPr id="3" name="Notes Placeholder 2"/>
+          <p:cNvSpPr>
+            <a:spLocks noGrp="1"/>
+          </p:cNvSpPr>
+          <p:nvPr>
+            <p:ph type="body" idx="1"/>
+          </p:nvPr>
+        </p:nvSpPr>
+        <p:spPr/>
+        <p:txBody>
+          <a:bodyPr/>
+          <a:lstStyle/>
+          <a:p>
+            <a:endParaRPr lang="en-IE" baseline="0" dirty="0" smtClean="0"/>
+          </a:p>
+        </p:txBody>
+      </p:sp>
+      <p:sp>
+        <p:nvSpPr>
+          <p:cNvPr id="4" name="Slide Number Placeholder 3"/>
+          <p:cNvSpPr>
+            <a:spLocks noGrp="1"/>
+          </p:cNvSpPr>
+          <p:nvPr>
+            <p:ph type="sldNum" sz="quarter" idx="10"/>
+          </p:nvPr>
+        </p:nvSpPr>
+        <p:spPr/>
+        <p:txBody>
+          <a:bodyPr/>
+          <a:lstStyle/>
+          <a:p>
+            <a:fld id="{ABE5CB41-8F34-4FAE-BDD8-10A032863583}" type="slidenum">
+              <a:rPr lang="en-IE" smtClean="0"/>
+              <a:t>9</a:t>
             </a:fld>
             <a:endParaRPr lang="en-IE"/>
           </a:p>
@@ -1076,7 +2605,7 @@
           <a:p>
             <a:fld id="{6D57282B-8A94-4CFA-A812-B2453AD9C772}" type="datetimeFigureOut">
               <a:rPr lang="en-IE" smtClean="0"/>
-              <a:t>12/09/2012</a:t>
+              <a:t>13/09/2012</a:t>
             </a:fld>
             <a:endParaRPr lang="en-IE" dirty="0"/>
           </a:p>
@@ -1299,7 +2828,7 @@
           <a:p>
             <a:fld id="{6D57282B-8A94-4CFA-A812-B2453AD9C772}" type="datetimeFigureOut">
               <a:rPr lang="en-IE" smtClean="0"/>
-              <a:t>12/09/2012</a:t>
+              <a:t>13/09/2012</a:t>
             </a:fld>
             <a:endParaRPr lang="en-IE"/>
           </a:p>
@@ -1579,7 +3108,7 @@
           <a:p>
             <a:fld id="{6D57282B-8A94-4CFA-A812-B2453AD9C772}" type="datetimeFigureOut">
               <a:rPr lang="en-IE" smtClean="0"/>
-              <a:t>12/09/2012</a:t>
+              <a:t>13/09/2012</a:t>
             </a:fld>
             <a:endParaRPr lang="en-IE"/>
           </a:p>
@@ -1758,7 +3287,7 @@
           <a:p>
             <a:fld id="{6D57282B-8A94-4CFA-A812-B2453AD9C772}" type="datetimeFigureOut">
               <a:rPr lang="en-IE" smtClean="0"/>
-              <a:t>12/09/2012</a:t>
+              <a:t>13/09/2012</a:t>
             </a:fld>
             <a:endParaRPr lang="en-IE"/>
           </a:p>
@@ -2152,7 +3681,7 @@
           <a:p>
             <a:fld id="{6D57282B-8A94-4CFA-A812-B2453AD9C772}" type="datetimeFigureOut">
               <a:rPr lang="en-IE" smtClean="0"/>
-              <a:t>12/09/2012</a:t>
+              <a:t>13/09/2012</a:t>
             </a:fld>
             <a:endParaRPr lang="en-IE"/>
           </a:p>
@@ -2439,7 +3968,7 @@
           <a:p>
             <a:fld id="{6D57282B-8A94-4CFA-A812-B2453AD9C772}" type="datetimeFigureOut">
               <a:rPr lang="en-IE" smtClean="0"/>
-              <a:t>12/09/2012</a:t>
+              <a:t>13/09/2012</a:t>
             </a:fld>
             <a:endParaRPr lang="en-IE"/>
           </a:p>
@@ -2861,7 +4390,7 @@
           <a:p>
             <a:fld id="{6D57282B-8A94-4CFA-A812-B2453AD9C772}" type="datetimeFigureOut">
               <a:rPr lang="en-IE" smtClean="0"/>
-              <a:t>12/09/2012</a:t>
+              <a:t>13/09/2012</a:t>
             </a:fld>
             <a:endParaRPr lang="en-IE"/>
           </a:p>
@@ -2976,7 +4505,7 @@
           <a:p>
             <a:fld id="{6D57282B-8A94-4CFA-A812-B2453AD9C772}" type="datetimeFigureOut">
               <a:rPr lang="en-IE" smtClean="0"/>
-              <a:t>12/09/2012</a:t>
+              <a:t>13/09/2012</a:t>
             </a:fld>
             <a:endParaRPr lang="en-IE"/>
           </a:p>
@@ -3066,7 +4595,7 @@
           <a:p>
             <a:fld id="{6D57282B-8A94-4CFA-A812-B2453AD9C772}" type="datetimeFigureOut">
               <a:rPr lang="en-IE" smtClean="0"/>
-              <a:t>12/09/2012</a:t>
+              <a:t>13/09/2012</a:t>
             </a:fld>
             <a:endParaRPr lang="en-IE"/>
           </a:p>
@@ -3344,7 +4873,7 @@
           <a:p>
             <a:fld id="{6D57282B-8A94-4CFA-A812-B2453AD9C772}" type="datetimeFigureOut">
               <a:rPr lang="en-IE" smtClean="0"/>
-              <a:t>12/09/2012</a:t>
+              <a:t>13/09/2012</a:t>
             </a:fld>
             <a:endParaRPr lang="en-IE"/>
           </a:p>
@@ -3705,7 +5234,7 @@
           <a:p>
             <a:fld id="{6D57282B-8A94-4CFA-A812-B2453AD9C772}" type="datetimeFigureOut">
               <a:rPr lang="en-IE" smtClean="0"/>
-              <a:t>12/09/2012</a:t>
+              <a:t>13/09/2012</a:t>
             </a:fld>
             <a:endParaRPr lang="en-IE"/>
           </a:p>
@@ -4142,7 +5671,7 @@
           <a:p>
             <a:fld id="{6D57282B-8A94-4CFA-A812-B2453AD9C772}" type="datetimeFigureOut">
               <a:rPr lang="en-IE" smtClean="0"/>
-              <a:t>12/09/2012</a:t>
+              <a:t>13/09/2012</a:t>
             </a:fld>
             <a:endParaRPr lang="en-IE"/>
           </a:p>
@@ -4659,11 +6188,7 @@
           <a:p>
             <a:r>
               <a:rPr lang="en-US" sz="2000" dirty="0" smtClean="0"/>
-              <a:t>Session </a:t>
-            </a:r>
-            <a:r>
-              <a:rPr lang="en-US" sz="2000" dirty="0" smtClean="0"/>
-              <a:t>#3 : Fancy Menus using CSS</a:t>
+              <a:t>Session #3 : Fancy Menus using CSS</a:t>
             </a:r>
             <a:endParaRPr lang="en-IE" sz="2000" dirty="0"/>
           </a:p>
@@ -4673,6 +6198,1944 @@
     <p:extLst>
       <p:ext uri="{BB962C8B-B14F-4D97-AF65-F5344CB8AC3E}">
         <p14:creationId xmlns:p14="http://schemas.microsoft.com/office/powerpoint/2010/main" val="1532374360"/>
+      </p:ext>
+    </p:extLst>
+  </p:cSld>
+  <p:clrMapOvr>
+    <a:masterClrMapping/>
+  </p:clrMapOvr>
+  <p:timing>
+    <p:tnLst>
+      <p:par>
+        <p:cTn id="1" dur="indefinite" restart="never" nodeType="tmRoot"/>
+      </p:par>
+    </p:tnLst>
+  </p:timing>
+</p:sld>
+</file>
+
+<file path=ppt/slides/slide10.xml><?xml version="1.0" encoding="utf-8"?>
+<p:sld xmlns:a="http://schemas.openxmlformats.org/drawingml/2006/main" xmlns:r="http://schemas.openxmlformats.org/officeDocument/2006/relationships" xmlns:p="http://schemas.openxmlformats.org/presentationml/2006/main">
+  <p:cSld>
+    <p:spTree>
+      <p:nvGrpSpPr>
+        <p:cNvPr id="1" name=""/>
+        <p:cNvGrpSpPr/>
+        <p:nvPr/>
+      </p:nvGrpSpPr>
+      <p:grpSpPr>
+        <a:xfrm>
+          <a:off x="0" y="0"/>
+          <a:ext cx="0" cy="0"/>
+          <a:chOff x="0" y="0"/>
+          <a:chExt cx="0" cy="0"/>
+        </a:xfrm>
+      </p:grpSpPr>
+      <p:sp>
+        <p:nvSpPr>
+          <p:cNvPr id="2" name="Title 1"/>
+          <p:cNvSpPr>
+            <a:spLocks noGrp="1"/>
+          </p:cNvSpPr>
+          <p:nvPr>
+            <p:ph type="title"/>
+          </p:nvPr>
+        </p:nvSpPr>
+        <p:spPr/>
+        <p:txBody>
+          <a:bodyPr/>
+          <a:lstStyle/>
+          <a:p>
+            <a:r>
+              <a:rPr lang="en-US" dirty="0" smtClean="0"/>
+              <a:t>Using Chrome </a:t>
+            </a:r>
+            <a:r>
+              <a:rPr lang="en-US" dirty="0" err="1" smtClean="0"/>
+              <a:t>DevTools</a:t>
+            </a:r>
+            <a:endParaRPr lang="en-IE" dirty="0"/>
+          </a:p>
+        </p:txBody>
+      </p:sp>
+      <p:sp>
+        <p:nvSpPr>
+          <p:cNvPr id="3" name="Content Placeholder 2"/>
+          <p:cNvSpPr>
+            <a:spLocks noGrp="1"/>
+          </p:cNvSpPr>
+          <p:nvPr>
+            <p:ph idx="1"/>
+          </p:nvPr>
+        </p:nvSpPr>
+        <p:spPr/>
+        <p:txBody>
+          <a:bodyPr>
+            <a:normAutofit/>
+          </a:bodyPr>
+          <a:lstStyle/>
+          <a:p>
+            <a:r>
+              <a:rPr lang="en-IE" dirty="0" smtClean="0"/>
+              <a:t>You can explore your page</a:t>
+            </a:r>
+          </a:p>
+          <a:p>
+            <a:r>
+              <a:rPr lang="en-IE" dirty="0" smtClean="0"/>
+              <a:t>… see which parts of the HTML show on the page</a:t>
+            </a:r>
+          </a:p>
+          <a:p>
+            <a:r>
+              <a:rPr lang="en-IE" dirty="0" smtClean="0"/>
+              <a:t>… see which CSS styles apply</a:t>
+            </a:r>
+          </a:p>
+          <a:p>
+            <a:r>
+              <a:rPr lang="en-IE" dirty="0" smtClean="0"/>
+              <a:t>… see what happens</a:t>
+            </a:r>
+            <a:br>
+              <a:rPr lang="en-IE" dirty="0" smtClean="0"/>
+            </a:br>
+            <a:r>
+              <a:rPr lang="en-IE" dirty="0" smtClean="0"/>
+              <a:t>when you turn off</a:t>
+            </a:r>
+            <a:br>
+              <a:rPr lang="en-IE" dirty="0" smtClean="0"/>
+            </a:br>
+            <a:r>
+              <a:rPr lang="en-IE" dirty="0" smtClean="0"/>
+              <a:t>parts of the CSS</a:t>
+            </a:r>
+          </a:p>
+          <a:p>
+            <a:r>
+              <a:rPr lang="en-IE" dirty="0" smtClean="0"/>
+              <a:t>Cool!</a:t>
+            </a:r>
+          </a:p>
+          <a:p>
+            <a:endParaRPr lang="en-IE" dirty="0" smtClean="0"/>
+          </a:p>
+        </p:txBody>
+      </p:sp>
+      <p:pic>
+        <p:nvPicPr>
+          <p:cNvPr id="2050" name="Picture 2"/>
+          <p:cNvPicPr>
+            <a:picLocks noChangeAspect="1" noChangeArrowheads="1"/>
+          </p:cNvPicPr>
+          <p:nvPr/>
+        </p:nvPicPr>
+        <p:blipFill>
+          <a:blip r:embed="rId3">
+            <a:extLst>
+              <a:ext uri="{28A0092B-C50C-407E-A947-70E740481C1C}">
+                <a14:useLocalDpi xmlns:a14="http://schemas.microsoft.com/office/drawing/2010/main" val="0"/>
+              </a:ext>
+            </a:extLst>
+          </a:blip>
+          <a:srcRect/>
+          <a:stretch>
+            <a:fillRect/>
+          </a:stretch>
+        </p:blipFill>
+        <p:spPr bwMode="auto">
+          <a:xfrm>
+            <a:off x="5004048" y="4077072"/>
+            <a:ext cx="3771900" cy="2247900"/>
+          </a:xfrm>
+          <a:prstGeom prst="rect">
+            <a:avLst/>
+          </a:prstGeom>
+          <a:noFill/>
+          <a:ln>
+            <a:noFill/>
+          </a:ln>
+          <a:effectLst/>
+          <a:extLst>
+            <a:ext uri="{909E8E84-426E-40DD-AFC4-6F175D3DCCD1}">
+              <a14:hiddenFill xmlns:a14="http://schemas.microsoft.com/office/drawing/2010/main">
+                <a:solidFill>
+                  <a:schemeClr val="accent1"/>
+                </a:solidFill>
+              </a14:hiddenFill>
+            </a:ext>
+            <a:ext uri="{91240B29-F687-4F45-9708-019B960494DF}">
+              <a14:hiddenLine xmlns:a14="http://schemas.microsoft.com/office/drawing/2010/main" w="9525">
+                <a:solidFill>
+                  <a:schemeClr val="tx1"/>
+                </a:solidFill>
+                <a:miter lim="800000"/>
+                <a:headEnd/>
+                <a:tailEnd/>
+              </a14:hiddenLine>
+            </a:ext>
+            <a:ext uri="{AF507438-7753-43E0-B8FC-AC1667EBCBE1}">
+              <a14:hiddenEffects xmlns:a14="http://schemas.microsoft.com/office/drawing/2010/main">
+                <a:effectLst>
+                  <a:outerShdw dist="35921" dir="2700000" algn="ctr" rotWithShape="0">
+                    <a:schemeClr val="bg2"/>
+                  </a:outerShdw>
+                </a:effectLst>
+              </a14:hiddenEffects>
+            </a:ext>
+          </a:extLst>
+        </p:spPr>
+      </p:pic>
+    </p:spTree>
+    <p:extLst>
+      <p:ext uri="{BB962C8B-B14F-4D97-AF65-F5344CB8AC3E}">
+        <p14:creationId xmlns:p14="http://schemas.microsoft.com/office/powerpoint/2010/main" val="2420934885"/>
+      </p:ext>
+    </p:extLst>
+  </p:cSld>
+  <p:clrMapOvr>
+    <a:masterClrMapping/>
+  </p:clrMapOvr>
+  <p:timing>
+    <p:tnLst>
+      <p:par>
+        <p:cTn id="1" dur="indefinite" restart="never" nodeType="tmRoot"/>
+      </p:par>
+    </p:tnLst>
+  </p:timing>
+</p:sld>
+</file>
+
+<file path=ppt/slides/slide11.xml><?xml version="1.0" encoding="utf-8"?>
+<p:sld xmlns:a="http://schemas.openxmlformats.org/drawingml/2006/main" xmlns:r="http://schemas.openxmlformats.org/officeDocument/2006/relationships" xmlns:p="http://schemas.openxmlformats.org/presentationml/2006/main">
+  <p:cSld>
+    <p:spTree>
+      <p:nvGrpSpPr>
+        <p:cNvPr id="1" name=""/>
+        <p:cNvGrpSpPr/>
+        <p:nvPr/>
+      </p:nvGrpSpPr>
+      <p:grpSpPr>
+        <a:xfrm>
+          <a:off x="0" y="0"/>
+          <a:ext cx="0" cy="0"/>
+          <a:chOff x="0" y="0"/>
+          <a:chExt cx="0" cy="0"/>
+        </a:xfrm>
+      </p:grpSpPr>
+      <p:sp>
+        <p:nvSpPr>
+          <p:cNvPr id="2" name="Title 1"/>
+          <p:cNvSpPr>
+            <a:spLocks noGrp="1"/>
+          </p:cNvSpPr>
+          <p:nvPr>
+            <p:ph type="title"/>
+          </p:nvPr>
+        </p:nvSpPr>
+        <p:spPr/>
+        <p:txBody>
+          <a:bodyPr>
+            <a:normAutofit/>
+          </a:bodyPr>
+          <a:lstStyle/>
+          <a:p>
+            <a:r>
+              <a:rPr lang="en-US" dirty="0" smtClean="0"/>
+              <a:t>Menu CSS code</a:t>
+            </a:r>
+            <a:endParaRPr lang="en-IE" dirty="0"/>
+          </a:p>
+        </p:txBody>
+      </p:sp>
+      <p:sp>
+        <p:nvSpPr>
+          <p:cNvPr id="3" name="Content Placeholder 2"/>
+          <p:cNvSpPr>
+            <a:spLocks noGrp="1"/>
+          </p:cNvSpPr>
+          <p:nvPr>
+            <p:ph idx="1"/>
+          </p:nvPr>
+        </p:nvSpPr>
+        <p:spPr/>
+        <p:txBody>
+          <a:bodyPr>
+            <a:normAutofit/>
+          </a:bodyPr>
+          <a:lstStyle/>
+          <a:p>
+            <a:pPr marL="118872" indent="0">
+              <a:buNone/>
+            </a:pPr>
+            <a:r>
+              <a:rPr lang="en-IE" dirty="0" smtClean="0"/>
+              <a:t>&lt;div </a:t>
+            </a:r>
+            <a:r>
+              <a:rPr lang="en-IE" b="1" dirty="0" smtClean="0"/>
+              <a:t>id</a:t>
+            </a:r>
+            <a:r>
+              <a:rPr lang="en-IE" dirty="0" smtClean="0"/>
+              <a:t>=‘</a:t>
+            </a:r>
+            <a:r>
+              <a:rPr lang="en-IE" dirty="0" err="1" smtClean="0"/>
+              <a:t>mymenu_a</a:t>
+            </a:r>
+            <a:r>
+              <a:rPr lang="en-IE" dirty="0" smtClean="0"/>
+              <a:t>’&gt;</a:t>
+            </a:r>
+            <a:endParaRPr lang="en-IE" dirty="0"/>
+          </a:p>
+          <a:p>
+            <a:pPr marL="118872" indent="0">
+              <a:buNone/>
+            </a:pPr>
+            <a:r>
+              <a:rPr lang="en-US" dirty="0" smtClean="0"/>
+              <a:t>	&lt;</a:t>
+            </a:r>
+            <a:r>
+              <a:rPr lang="en-US" dirty="0" err="1" smtClean="0"/>
+              <a:t>ul</a:t>
+            </a:r>
+            <a:r>
+              <a:rPr lang="en-US" dirty="0" smtClean="0"/>
+              <a:t>&gt;</a:t>
+            </a:r>
+          </a:p>
+          <a:p>
+            <a:pPr marL="118872" indent="0">
+              <a:buNone/>
+            </a:pPr>
+            <a:r>
+              <a:rPr lang="en-US" dirty="0"/>
+              <a:t>	</a:t>
+            </a:r>
+            <a:r>
+              <a:rPr lang="en-US" dirty="0" smtClean="0"/>
+              <a:t>	&lt;li&gt;&lt;a </a:t>
+            </a:r>
+            <a:r>
+              <a:rPr lang="en-US" dirty="0" err="1" smtClean="0"/>
+              <a:t>href</a:t>
+            </a:r>
+            <a:r>
+              <a:rPr lang="en-US" dirty="0" smtClean="0"/>
+              <a:t>=“#”&gt;Home&lt;/a&gt;&lt;/li&gt;</a:t>
+            </a:r>
+          </a:p>
+          <a:p>
+            <a:pPr marL="118872" indent="0">
+              <a:buNone/>
+            </a:pPr>
+            <a:r>
+              <a:rPr lang="en-US" dirty="0"/>
+              <a:t>		&lt;li&gt;&lt;a </a:t>
+            </a:r>
+            <a:r>
+              <a:rPr lang="en-US" dirty="0" err="1"/>
+              <a:t>href</a:t>
+            </a:r>
+            <a:r>
+              <a:rPr lang="en-US" dirty="0" smtClean="0"/>
+              <a:t>=“#”&gt;Stuff&lt;/</a:t>
+            </a:r>
+            <a:r>
+              <a:rPr lang="en-US" dirty="0"/>
+              <a:t>a&gt;&lt;/li&gt;</a:t>
+            </a:r>
+          </a:p>
+          <a:p>
+            <a:pPr marL="118872" indent="0">
+              <a:buNone/>
+            </a:pPr>
+            <a:r>
+              <a:rPr lang="en-US" dirty="0"/>
+              <a:t>		&lt;li&gt;&lt;a </a:t>
+            </a:r>
+            <a:r>
+              <a:rPr lang="en-US" dirty="0" err="1"/>
+              <a:t>href</a:t>
+            </a:r>
+            <a:r>
+              <a:rPr lang="en-US" dirty="0" smtClean="0"/>
+              <a:t>=“#”&gt;More Stuff&lt;/</a:t>
+            </a:r>
+            <a:r>
+              <a:rPr lang="en-US" dirty="0"/>
+              <a:t>a&gt;&lt;/li&gt;</a:t>
+            </a:r>
+          </a:p>
+          <a:p>
+            <a:pPr marL="118872" indent="0">
+              <a:buNone/>
+            </a:pPr>
+            <a:r>
+              <a:rPr lang="en-US" dirty="0"/>
+              <a:t>		&lt;li&gt;&lt;a </a:t>
+            </a:r>
+            <a:r>
+              <a:rPr lang="en-US" dirty="0" err="1"/>
+              <a:t>href</a:t>
+            </a:r>
+            <a:r>
+              <a:rPr lang="en-US" dirty="0" smtClean="0"/>
+              <a:t>=“#”&gt;Less Stuff&lt;/</a:t>
+            </a:r>
+            <a:r>
+              <a:rPr lang="en-US" dirty="0"/>
+              <a:t>a&gt;&lt;/li&gt;</a:t>
+            </a:r>
+          </a:p>
+          <a:p>
+            <a:pPr marL="118872" indent="0">
+              <a:buNone/>
+            </a:pPr>
+            <a:r>
+              <a:rPr lang="en-US" dirty="0"/>
+              <a:t>		&lt;li&gt;&lt;a </a:t>
+            </a:r>
+            <a:r>
+              <a:rPr lang="en-US" dirty="0" err="1"/>
+              <a:t>href</a:t>
+            </a:r>
+            <a:r>
+              <a:rPr lang="en-US" dirty="0"/>
+              <a:t>=“#”&gt;</a:t>
+            </a:r>
+            <a:r>
+              <a:rPr lang="en-US" dirty="0" smtClean="0"/>
+              <a:t>Help&lt;/</a:t>
+            </a:r>
+            <a:r>
+              <a:rPr lang="en-US" dirty="0"/>
+              <a:t>a&gt;&lt;/li</a:t>
+            </a:r>
+            <a:r>
+              <a:rPr lang="en-US" dirty="0" smtClean="0"/>
+              <a:t>&gt;</a:t>
+            </a:r>
+          </a:p>
+          <a:p>
+            <a:pPr marL="118872" indent="0">
+              <a:buNone/>
+            </a:pPr>
+            <a:r>
+              <a:rPr lang="en-US" dirty="0"/>
+              <a:t>	</a:t>
+            </a:r>
+            <a:r>
+              <a:rPr lang="en-US" dirty="0" smtClean="0"/>
+              <a:t>&lt;/</a:t>
+            </a:r>
+            <a:r>
+              <a:rPr lang="en-US" dirty="0" err="1" smtClean="0"/>
+              <a:t>ul</a:t>
+            </a:r>
+            <a:r>
+              <a:rPr lang="en-US" dirty="0" smtClean="0"/>
+              <a:t>&gt;</a:t>
+            </a:r>
+            <a:endParaRPr lang="en-US" dirty="0"/>
+          </a:p>
+          <a:p>
+            <a:pPr marL="118872" indent="0">
+              <a:buNone/>
+            </a:pPr>
+            <a:r>
+              <a:rPr lang="en-US" dirty="0" smtClean="0"/>
+              <a:t>&lt;/div&gt;</a:t>
+            </a:r>
+            <a:endParaRPr lang="en-IE" dirty="0"/>
+          </a:p>
+          <a:p>
+            <a:endParaRPr lang="en-IE" dirty="0" smtClean="0"/>
+          </a:p>
+        </p:txBody>
+      </p:sp>
+    </p:spTree>
+    <p:extLst>
+      <p:ext uri="{BB962C8B-B14F-4D97-AF65-F5344CB8AC3E}">
+        <p14:creationId xmlns:p14="http://schemas.microsoft.com/office/powerpoint/2010/main" val="3613278877"/>
+      </p:ext>
+    </p:extLst>
+  </p:cSld>
+  <p:clrMapOvr>
+    <a:masterClrMapping/>
+  </p:clrMapOvr>
+  <p:timing>
+    <p:tnLst>
+      <p:par>
+        <p:cTn id="1" dur="indefinite" restart="never" nodeType="tmRoot"/>
+      </p:par>
+    </p:tnLst>
+  </p:timing>
+</p:sld>
+</file>
+
+<file path=ppt/slides/slide12.xml><?xml version="1.0" encoding="utf-8"?>
+<p:sld xmlns:a="http://schemas.openxmlformats.org/drawingml/2006/main" xmlns:r="http://schemas.openxmlformats.org/officeDocument/2006/relationships" xmlns:p="http://schemas.openxmlformats.org/presentationml/2006/main">
+  <p:cSld>
+    <p:spTree>
+      <p:nvGrpSpPr>
+        <p:cNvPr id="1" name=""/>
+        <p:cNvGrpSpPr/>
+        <p:nvPr/>
+      </p:nvGrpSpPr>
+      <p:grpSpPr>
+        <a:xfrm>
+          <a:off x="0" y="0"/>
+          <a:ext cx="0" cy="0"/>
+          <a:chOff x="0" y="0"/>
+          <a:chExt cx="0" cy="0"/>
+        </a:xfrm>
+      </p:grpSpPr>
+      <p:sp>
+        <p:nvSpPr>
+          <p:cNvPr id="2" name="Title 1"/>
+          <p:cNvSpPr>
+            <a:spLocks noGrp="1"/>
+          </p:cNvSpPr>
+          <p:nvPr>
+            <p:ph type="title"/>
+          </p:nvPr>
+        </p:nvSpPr>
+        <p:spPr/>
+        <p:txBody>
+          <a:bodyPr>
+            <a:normAutofit/>
+          </a:bodyPr>
+          <a:lstStyle/>
+          <a:p>
+            <a:r>
+              <a:rPr lang="en-US" dirty="0" smtClean="0"/>
+              <a:t>Basic CSS for our menu</a:t>
+            </a:r>
+            <a:endParaRPr lang="en-IE" dirty="0"/>
+          </a:p>
+        </p:txBody>
+      </p:sp>
+      <p:sp>
+        <p:nvSpPr>
+          <p:cNvPr id="3" name="Content Placeholder 2"/>
+          <p:cNvSpPr>
+            <a:spLocks noGrp="1"/>
+          </p:cNvSpPr>
+          <p:nvPr>
+            <p:ph idx="1"/>
+          </p:nvPr>
+        </p:nvSpPr>
+        <p:spPr/>
+        <p:txBody>
+          <a:bodyPr>
+            <a:normAutofit/>
+          </a:bodyPr>
+          <a:lstStyle/>
+          <a:p>
+            <a:endParaRPr lang="en-IE" dirty="0" smtClean="0"/>
+          </a:p>
+        </p:txBody>
+      </p:sp>
+      <p:pic>
+        <p:nvPicPr>
+          <p:cNvPr id="3074" name="Picture 2"/>
+          <p:cNvPicPr>
+            <a:picLocks noChangeAspect="1" noChangeArrowheads="1"/>
+          </p:cNvPicPr>
+          <p:nvPr/>
+        </p:nvPicPr>
+        <p:blipFill>
+          <a:blip r:embed="rId3">
+            <a:extLst>
+              <a:ext uri="{28A0092B-C50C-407E-A947-70E740481C1C}">
+                <a14:useLocalDpi xmlns:a14="http://schemas.microsoft.com/office/drawing/2010/main" val="0"/>
+              </a:ext>
+            </a:extLst>
+          </a:blip>
+          <a:srcRect/>
+          <a:stretch>
+            <a:fillRect/>
+          </a:stretch>
+        </p:blipFill>
+        <p:spPr bwMode="auto">
+          <a:xfrm>
+            <a:off x="395536" y="1743075"/>
+            <a:ext cx="3096344" cy="2562223"/>
+          </a:xfrm>
+          <a:prstGeom prst="rect">
+            <a:avLst/>
+          </a:prstGeom>
+          <a:noFill/>
+          <a:ln>
+            <a:noFill/>
+          </a:ln>
+          <a:effectLst/>
+          <a:extLst>
+            <a:ext uri="{909E8E84-426E-40DD-AFC4-6F175D3DCCD1}">
+              <a14:hiddenFill xmlns:a14="http://schemas.microsoft.com/office/drawing/2010/main">
+                <a:solidFill>
+                  <a:schemeClr val="accent1"/>
+                </a:solidFill>
+              </a14:hiddenFill>
+            </a:ext>
+            <a:ext uri="{91240B29-F687-4F45-9708-019B960494DF}">
+              <a14:hiddenLine xmlns:a14="http://schemas.microsoft.com/office/drawing/2010/main" w="9525">
+                <a:solidFill>
+                  <a:schemeClr val="tx1"/>
+                </a:solidFill>
+                <a:miter lim="800000"/>
+                <a:headEnd/>
+                <a:tailEnd/>
+              </a14:hiddenLine>
+            </a:ext>
+            <a:ext uri="{AF507438-7753-43E0-B8FC-AC1667EBCBE1}">
+              <a14:hiddenEffects xmlns:a14="http://schemas.microsoft.com/office/drawing/2010/main">
+                <a:effectLst>
+                  <a:outerShdw dist="35921" dir="2700000" algn="ctr" rotWithShape="0">
+                    <a:schemeClr val="bg2"/>
+                  </a:outerShdw>
+                </a:effectLst>
+              </a14:hiddenEffects>
+            </a:ext>
+          </a:extLst>
+        </p:spPr>
+      </p:pic>
+      <p:pic>
+        <p:nvPicPr>
+          <p:cNvPr id="3075" name="Picture 3"/>
+          <p:cNvPicPr>
+            <a:picLocks noChangeAspect="1" noChangeArrowheads="1"/>
+          </p:cNvPicPr>
+          <p:nvPr/>
+        </p:nvPicPr>
+        <p:blipFill>
+          <a:blip r:embed="rId4">
+            <a:extLst>
+              <a:ext uri="{28A0092B-C50C-407E-A947-70E740481C1C}">
+                <a14:useLocalDpi xmlns:a14="http://schemas.microsoft.com/office/drawing/2010/main" val="0"/>
+              </a:ext>
+            </a:extLst>
+          </a:blip>
+          <a:srcRect/>
+          <a:stretch>
+            <a:fillRect/>
+          </a:stretch>
+        </p:blipFill>
+        <p:spPr bwMode="auto">
+          <a:xfrm>
+            <a:off x="454530" y="4581128"/>
+            <a:ext cx="2749318" cy="1635844"/>
+          </a:xfrm>
+          <a:prstGeom prst="rect">
+            <a:avLst/>
+          </a:prstGeom>
+          <a:noFill/>
+          <a:ln>
+            <a:noFill/>
+          </a:ln>
+          <a:effectLst/>
+          <a:extLst>
+            <a:ext uri="{909E8E84-426E-40DD-AFC4-6F175D3DCCD1}">
+              <a14:hiddenFill xmlns:a14="http://schemas.microsoft.com/office/drawing/2010/main">
+                <a:solidFill>
+                  <a:schemeClr val="accent1"/>
+                </a:solidFill>
+              </a14:hiddenFill>
+            </a:ext>
+            <a:ext uri="{91240B29-F687-4F45-9708-019B960494DF}">
+              <a14:hiddenLine xmlns:a14="http://schemas.microsoft.com/office/drawing/2010/main" w="9525">
+                <a:solidFill>
+                  <a:schemeClr val="tx1"/>
+                </a:solidFill>
+                <a:miter lim="800000"/>
+                <a:headEnd/>
+                <a:tailEnd/>
+              </a14:hiddenLine>
+            </a:ext>
+            <a:ext uri="{AF507438-7753-43E0-B8FC-AC1667EBCBE1}">
+              <a14:hiddenEffects xmlns:a14="http://schemas.microsoft.com/office/drawing/2010/main">
+                <a:effectLst>
+                  <a:outerShdw dist="35921" dir="2700000" algn="ctr" rotWithShape="0">
+                    <a:schemeClr val="bg2"/>
+                  </a:outerShdw>
+                </a:effectLst>
+              </a14:hiddenEffects>
+            </a:ext>
+          </a:extLst>
+        </p:spPr>
+      </p:pic>
+      <p:pic>
+        <p:nvPicPr>
+          <p:cNvPr id="3076" name="Picture 4"/>
+          <p:cNvPicPr>
+            <a:picLocks noChangeAspect="1" noChangeArrowheads="1"/>
+          </p:cNvPicPr>
+          <p:nvPr/>
+        </p:nvPicPr>
+        <p:blipFill>
+          <a:blip r:embed="rId5">
+            <a:extLst>
+              <a:ext uri="{28A0092B-C50C-407E-A947-70E740481C1C}">
+                <a14:useLocalDpi xmlns:a14="http://schemas.microsoft.com/office/drawing/2010/main" val="0"/>
+              </a:ext>
+            </a:extLst>
+          </a:blip>
+          <a:srcRect/>
+          <a:stretch>
+            <a:fillRect/>
+          </a:stretch>
+        </p:blipFill>
+        <p:spPr bwMode="auto">
+          <a:xfrm>
+            <a:off x="3707904" y="1720952"/>
+            <a:ext cx="3337837" cy="2140096"/>
+          </a:xfrm>
+          <a:prstGeom prst="rect">
+            <a:avLst/>
+          </a:prstGeom>
+          <a:noFill/>
+          <a:ln>
+            <a:noFill/>
+          </a:ln>
+          <a:effectLst/>
+          <a:extLst>
+            <a:ext uri="{909E8E84-426E-40DD-AFC4-6F175D3DCCD1}">
+              <a14:hiddenFill xmlns:a14="http://schemas.microsoft.com/office/drawing/2010/main">
+                <a:solidFill>
+                  <a:schemeClr val="accent1"/>
+                </a:solidFill>
+              </a14:hiddenFill>
+            </a:ext>
+            <a:ext uri="{91240B29-F687-4F45-9708-019B960494DF}">
+              <a14:hiddenLine xmlns:a14="http://schemas.microsoft.com/office/drawing/2010/main" w="9525">
+                <a:solidFill>
+                  <a:schemeClr val="tx1"/>
+                </a:solidFill>
+                <a:miter lim="800000"/>
+                <a:headEnd/>
+                <a:tailEnd/>
+              </a14:hiddenLine>
+            </a:ext>
+            <a:ext uri="{AF507438-7753-43E0-B8FC-AC1667EBCBE1}">
+              <a14:hiddenEffects xmlns:a14="http://schemas.microsoft.com/office/drawing/2010/main">
+                <a:effectLst>
+                  <a:outerShdw dist="35921" dir="2700000" algn="ctr" rotWithShape="0">
+                    <a:schemeClr val="bg2"/>
+                  </a:outerShdw>
+                </a:effectLst>
+              </a14:hiddenEffects>
+            </a:ext>
+          </a:extLst>
+        </p:spPr>
+      </p:pic>
+      <p:pic>
+        <p:nvPicPr>
+          <p:cNvPr id="3077" name="Picture 5"/>
+          <p:cNvPicPr>
+            <a:picLocks noChangeAspect="1" noChangeArrowheads="1"/>
+          </p:cNvPicPr>
+          <p:nvPr/>
+        </p:nvPicPr>
+        <p:blipFill>
+          <a:blip r:embed="rId6">
+            <a:extLst>
+              <a:ext uri="{28A0092B-C50C-407E-A947-70E740481C1C}">
+                <a14:useLocalDpi xmlns:a14="http://schemas.microsoft.com/office/drawing/2010/main" val="0"/>
+              </a:ext>
+            </a:extLst>
+          </a:blip>
+          <a:srcRect/>
+          <a:stretch>
+            <a:fillRect/>
+          </a:stretch>
+        </p:blipFill>
+        <p:spPr bwMode="auto">
+          <a:xfrm>
+            <a:off x="3707904" y="3861048"/>
+            <a:ext cx="4392488" cy="2808312"/>
+          </a:xfrm>
+          <a:prstGeom prst="rect">
+            <a:avLst/>
+          </a:prstGeom>
+          <a:noFill/>
+          <a:ln>
+            <a:noFill/>
+          </a:ln>
+          <a:effectLst/>
+          <a:extLst>
+            <a:ext uri="{909E8E84-426E-40DD-AFC4-6F175D3DCCD1}">
+              <a14:hiddenFill xmlns:a14="http://schemas.microsoft.com/office/drawing/2010/main">
+                <a:solidFill>
+                  <a:schemeClr val="accent1"/>
+                </a:solidFill>
+              </a14:hiddenFill>
+            </a:ext>
+            <a:ext uri="{91240B29-F687-4F45-9708-019B960494DF}">
+              <a14:hiddenLine xmlns:a14="http://schemas.microsoft.com/office/drawing/2010/main" w="9525">
+                <a:solidFill>
+                  <a:schemeClr val="tx1"/>
+                </a:solidFill>
+                <a:miter lim="800000"/>
+                <a:headEnd/>
+                <a:tailEnd/>
+              </a14:hiddenLine>
+            </a:ext>
+            <a:ext uri="{AF507438-7753-43E0-B8FC-AC1667EBCBE1}">
+              <a14:hiddenEffects xmlns:a14="http://schemas.microsoft.com/office/drawing/2010/main">
+                <a:effectLst>
+                  <a:outerShdw dist="35921" dir="2700000" algn="ctr" rotWithShape="0">
+                    <a:schemeClr val="bg2"/>
+                  </a:outerShdw>
+                </a:effectLst>
+              </a14:hiddenEffects>
+            </a:ext>
+          </a:extLst>
+        </p:spPr>
+      </p:pic>
+    </p:spTree>
+    <p:extLst>
+      <p:ext uri="{BB962C8B-B14F-4D97-AF65-F5344CB8AC3E}">
+        <p14:creationId xmlns:p14="http://schemas.microsoft.com/office/powerpoint/2010/main" val="3556572145"/>
+      </p:ext>
+    </p:extLst>
+  </p:cSld>
+  <p:clrMapOvr>
+    <a:masterClrMapping/>
+  </p:clrMapOvr>
+  <p:timing>
+    <p:tnLst>
+      <p:par>
+        <p:cTn id="1" dur="indefinite" restart="never" nodeType="tmRoot"/>
+      </p:par>
+    </p:tnLst>
+  </p:timing>
+</p:sld>
+</file>
+
+<file path=ppt/slides/slide13.xml><?xml version="1.0" encoding="utf-8"?>
+<p:sld xmlns:a="http://schemas.openxmlformats.org/drawingml/2006/main" xmlns:r="http://schemas.openxmlformats.org/officeDocument/2006/relationships" xmlns:p="http://schemas.openxmlformats.org/presentationml/2006/main">
+  <p:cSld>
+    <p:spTree>
+      <p:nvGrpSpPr>
+        <p:cNvPr id="1" name=""/>
+        <p:cNvGrpSpPr/>
+        <p:nvPr/>
+      </p:nvGrpSpPr>
+      <p:grpSpPr>
+        <a:xfrm>
+          <a:off x="0" y="0"/>
+          <a:ext cx="0" cy="0"/>
+          <a:chOff x="0" y="0"/>
+          <a:chExt cx="0" cy="0"/>
+        </a:xfrm>
+      </p:grpSpPr>
+      <p:sp>
+        <p:nvSpPr>
+          <p:cNvPr id="2" name="Title 1"/>
+          <p:cNvSpPr>
+            <a:spLocks noGrp="1"/>
+          </p:cNvSpPr>
+          <p:nvPr>
+            <p:ph type="title"/>
+          </p:nvPr>
+        </p:nvSpPr>
+        <p:spPr/>
+        <p:txBody>
+          <a:bodyPr>
+            <a:normAutofit/>
+          </a:bodyPr>
+          <a:lstStyle/>
+          <a:p>
+            <a:r>
+              <a:rPr lang="en-US" dirty="0" smtClean="0"/>
+              <a:t>Hmm. Still not great.</a:t>
+            </a:r>
+            <a:endParaRPr lang="en-IE" dirty="0"/>
+          </a:p>
+        </p:txBody>
+      </p:sp>
+      <p:sp>
+        <p:nvSpPr>
+          <p:cNvPr id="3" name="Content Placeholder 2"/>
+          <p:cNvSpPr>
+            <a:spLocks noGrp="1"/>
+          </p:cNvSpPr>
+          <p:nvPr>
+            <p:ph idx="1"/>
+          </p:nvPr>
+        </p:nvSpPr>
+        <p:spPr/>
+        <p:txBody>
+          <a:bodyPr>
+            <a:normAutofit fontScale="85000" lnSpcReduction="20000"/>
+          </a:bodyPr>
+          <a:lstStyle/>
+          <a:p>
+            <a:r>
+              <a:rPr lang="en-IE" dirty="0" smtClean="0"/>
+              <a:t>The text colour is hard to read</a:t>
+            </a:r>
+          </a:p>
+          <a:p>
+            <a:endParaRPr lang="en-IE" dirty="0" smtClean="0"/>
+          </a:p>
+          <a:p>
+            <a:r>
+              <a:rPr lang="en-IE" dirty="0" smtClean="0"/>
+              <a:t>The menu bar looks a bit … square …</a:t>
+            </a:r>
+          </a:p>
+          <a:p>
+            <a:r>
+              <a:rPr lang="en-IE" dirty="0"/>
+              <a:t>Easily fixed</a:t>
+            </a:r>
+            <a:r>
+              <a:rPr lang="en-IE" dirty="0" smtClean="0"/>
+              <a:t>:</a:t>
+            </a:r>
+          </a:p>
+          <a:p>
+            <a:pPr marL="118872" indent="0">
+              <a:buNone/>
+            </a:pPr>
+            <a:r>
+              <a:rPr lang="en-IE" dirty="0" smtClean="0"/>
+              <a:t/>
+            </a:r>
+            <a:br>
+              <a:rPr lang="en-IE" dirty="0" smtClean="0"/>
+            </a:br>
+            <a:r>
+              <a:rPr lang="en-IE" dirty="0" smtClean="0"/>
+              <a:t>#</a:t>
+            </a:r>
+            <a:r>
+              <a:rPr lang="en-IE" dirty="0" err="1" smtClean="0"/>
+              <a:t>mymenu</a:t>
+            </a:r>
+            <a:r>
+              <a:rPr lang="en-IE" dirty="0"/>
+              <a:t> </a:t>
+            </a:r>
+            <a:r>
+              <a:rPr lang="en-IE" dirty="0" smtClean="0"/>
+              <a:t>{ border-radius</a:t>
+            </a:r>
+            <a:r>
+              <a:rPr lang="en-IE" dirty="0"/>
+              <a:t>: 10px; </a:t>
+            </a:r>
+            <a:r>
+              <a:rPr lang="en-IE" dirty="0" smtClean="0"/>
+              <a:t>}</a:t>
+            </a:r>
+            <a:br>
+              <a:rPr lang="en-IE" dirty="0" smtClean="0"/>
+            </a:br>
+            <a:r>
+              <a:rPr lang="en-IE" dirty="0" smtClean="0"/>
+              <a:t/>
+            </a:r>
+            <a:br>
+              <a:rPr lang="en-IE" dirty="0" smtClean="0"/>
+            </a:br>
+            <a:r>
+              <a:rPr lang="en-IE" dirty="0" smtClean="0"/>
+              <a:t>#</a:t>
+            </a:r>
+            <a:r>
+              <a:rPr lang="en-IE" dirty="0" err="1" smtClean="0"/>
+              <a:t>mymenu</a:t>
+            </a:r>
+            <a:r>
+              <a:rPr lang="en-IE" dirty="0" smtClean="0"/>
+              <a:t> &gt; </a:t>
+            </a:r>
+            <a:r>
+              <a:rPr lang="en-IE" dirty="0" err="1" smtClean="0"/>
+              <a:t>ul</a:t>
+            </a:r>
+            <a:r>
+              <a:rPr lang="en-IE" dirty="0" smtClean="0"/>
+              <a:t> &gt; li &gt; a</a:t>
+            </a:r>
+            <a:r>
+              <a:rPr lang="en-IE" dirty="0"/>
+              <a:t/>
+            </a:r>
+            <a:br>
+              <a:rPr lang="en-IE" dirty="0"/>
+            </a:br>
+            <a:r>
+              <a:rPr lang="en-IE" dirty="0"/>
+              <a:t>{</a:t>
+            </a:r>
+            <a:br>
+              <a:rPr lang="en-IE" dirty="0"/>
+            </a:br>
+            <a:r>
+              <a:rPr lang="en-IE" dirty="0"/>
+              <a:t>text-shadow:1px 1px 0 </a:t>
+            </a:r>
+            <a:r>
+              <a:rPr lang="en-IE" dirty="0" err="1"/>
+              <a:t>rgba</a:t>
+            </a:r>
+            <a:r>
+              <a:rPr lang="en-IE" dirty="0"/>
+              <a:t>(0,0,0, 0.4); </a:t>
+            </a:r>
+          </a:p>
+          <a:p>
+            <a:pPr marL="118872" indent="0">
+              <a:buNone/>
+            </a:pPr>
+            <a:r>
+              <a:rPr lang="en-IE" dirty="0"/>
+              <a:t>border-right:1px solid #1b313d;  </a:t>
+            </a:r>
+          </a:p>
+          <a:p>
+            <a:pPr marL="118872" indent="0">
+              <a:buNone/>
+            </a:pPr>
+            <a:r>
+              <a:rPr lang="en-IE" dirty="0" err="1"/>
+              <a:t>color</a:t>
+            </a:r>
+            <a:r>
+              <a:rPr lang="en-IE" dirty="0"/>
+              <a:t>:#</a:t>
+            </a:r>
+            <a:r>
+              <a:rPr lang="en-IE" dirty="0" err="1"/>
+              <a:t>fff</a:t>
+            </a:r>
+            <a:r>
+              <a:rPr lang="en-IE" dirty="0"/>
+              <a:t>;</a:t>
+            </a:r>
+            <a:endParaRPr lang="en-IE" dirty="0" smtClean="0"/>
+          </a:p>
+          <a:p>
+            <a:pPr marL="118872" indent="0">
+              <a:buNone/>
+            </a:pPr>
+            <a:r>
+              <a:rPr lang="en-IE" dirty="0" smtClean="0"/>
+              <a:t>}</a:t>
+            </a:r>
+            <a:endParaRPr lang="en-IE" dirty="0"/>
+          </a:p>
+        </p:txBody>
+      </p:sp>
+    </p:spTree>
+    <p:extLst>
+      <p:ext uri="{BB962C8B-B14F-4D97-AF65-F5344CB8AC3E}">
+        <p14:creationId xmlns:p14="http://schemas.microsoft.com/office/powerpoint/2010/main" val="2959845115"/>
+      </p:ext>
+    </p:extLst>
+  </p:cSld>
+  <p:clrMapOvr>
+    <a:masterClrMapping/>
+  </p:clrMapOvr>
+  <p:timing>
+    <p:tnLst>
+      <p:par>
+        <p:cTn id="1" dur="indefinite" restart="never" nodeType="tmRoot"/>
+      </p:par>
+    </p:tnLst>
+  </p:timing>
+</p:sld>
+</file>
+
+<file path=ppt/slides/slide14.xml><?xml version="1.0" encoding="utf-8"?>
+<p:sld xmlns:a="http://schemas.openxmlformats.org/drawingml/2006/main" xmlns:r="http://schemas.openxmlformats.org/officeDocument/2006/relationships" xmlns:p="http://schemas.openxmlformats.org/presentationml/2006/main">
+  <p:cSld>
+    <p:spTree>
+      <p:nvGrpSpPr>
+        <p:cNvPr id="1" name=""/>
+        <p:cNvGrpSpPr/>
+        <p:nvPr/>
+      </p:nvGrpSpPr>
+      <p:grpSpPr>
+        <a:xfrm>
+          <a:off x="0" y="0"/>
+          <a:ext cx="0" cy="0"/>
+          <a:chOff x="0" y="0"/>
+          <a:chExt cx="0" cy="0"/>
+        </a:xfrm>
+      </p:grpSpPr>
+      <p:sp>
+        <p:nvSpPr>
+          <p:cNvPr id="2" name="Title 1"/>
+          <p:cNvSpPr>
+            <a:spLocks noGrp="1"/>
+          </p:cNvSpPr>
+          <p:nvPr>
+            <p:ph type="title"/>
+          </p:nvPr>
+        </p:nvSpPr>
+        <p:spPr/>
+        <p:txBody>
+          <a:bodyPr>
+            <a:normAutofit fontScale="90000"/>
+          </a:bodyPr>
+          <a:lstStyle/>
+          <a:p>
+            <a:r>
+              <a:rPr lang="en-US" dirty="0" smtClean="0"/>
+              <a:t>Experiment with Chrome Developer Tools</a:t>
+            </a:r>
+            <a:endParaRPr lang="en-IE" dirty="0"/>
+          </a:p>
+        </p:txBody>
+      </p:sp>
+      <p:sp>
+        <p:nvSpPr>
+          <p:cNvPr id="3" name="Content Placeholder 2"/>
+          <p:cNvSpPr>
+            <a:spLocks noGrp="1"/>
+          </p:cNvSpPr>
+          <p:nvPr>
+            <p:ph idx="1"/>
+          </p:nvPr>
+        </p:nvSpPr>
+        <p:spPr>
+          <a:xfrm>
+            <a:off x="457200" y="1775193"/>
+            <a:ext cx="8229600" cy="4625609"/>
+          </a:xfrm>
+        </p:spPr>
+        <p:txBody>
+          <a:bodyPr>
+            <a:normAutofit/>
+          </a:bodyPr>
+          <a:lstStyle/>
+          <a:p>
+            <a:r>
+              <a:rPr lang="en-IE" dirty="0" smtClean="0"/>
+              <a:t>See how you can use Developer Tools to</a:t>
+            </a:r>
+          </a:p>
+          <a:p>
+            <a:endParaRPr lang="en-IE" dirty="0" smtClean="0"/>
+          </a:p>
+          <a:p>
+            <a:pPr lvl="1"/>
+            <a:r>
+              <a:rPr lang="en-IE" dirty="0" smtClean="0"/>
+              <a:t>Explore which styles make which changes</a:t>
+            </a:r>
+          </a:p>
+          <a:p>
+            <a:pPr lvl="1"/>
+            <a:r>
+              <a:rPr lang="en-IE" dirty="0" smtClean="0"/>
+              <a:t>Find the code for a displayed part of the page</a:t>
+            </a:r>
+          </a:p>
+          <a:p>
+            <a:pPr lvl="1"/>
+            <a:endParaRPr lang="en-IE" dirty="0" smtClean="0"/>
+          </a:p>
+          <a:p>
+            <a:r>
+              <a:rPr lang="en-IE" dirty="0" smtClean="0"/>
+              <a:t>You can also view the source code for any web page you visit</a:t>
+            </a:r>
+          </a:p>
+          <a:p>
+            <a:pPr lvl="1"/>
+            <a:r>
+              <a:rPr lang="en-IE" dirty="0" smtClean="0"/>
+              <a:t>And … borrow … their good ideas</a:t>
+            </a:r>
+            <a:endParaRPr lang="en-IE" dirty="0"/>
+          </a:p>
+        </p:txBody>
+      </p:sp>
+    </p:spTree>
+    <p:extLst>
+      <p:ext uri="{BB962C8B-B14F-4D97-AF65-F5344CB8AC3E}">
+        <p14:creationId xmlns:p14="http://schemas.microsoft.com/office/powerpoint/2010/main" val="2031474081"/>
+      </p:ext>
+    </p:extLst>
+  </p:cSld>
+  <p:clrMapOvr>
+    <a:masterClrMapping/>
+  </p:clrMapOvr>
+  <p:timing>
+    <p:tnLst>
+      <p:par>
+        <p:cTn id="1" dur="indefinite" restart="never" nodeType="tmRoot"/>
+      </p:par>
+    </p:tnLst>
+  </p:timing>
+</p:sld>
+</file>
+
+<file path=ppt/slides/slide15.xml><?xml version="1.0" encoding="utf-8"?>
+<p:sld xmlns:a="http://schemas.openxmlformats.org/drawingml/2006/main" xmlns:r="http://schemas.openxmlformats.org/officeDocument/2006/relationships" xmlns:p="http://schemas.openxmlformats.org/presentationml/2006/main">
+  <p:cSld>
+    <p:spTree>
+      <p:nvGrpSpPr>
+        <p:cNvPr id="1" name=""/>
+        <p:cNvGrpSpPr/>
+        <p:nvPr/>
+      </p:nvGrpSpPr>
+      <p:grpSpPr>
+        <a:xfrm>
+          <a:off x="0" y="0"/>
+          <a:ext cx="0" cy="0"/>
+          <a:chOff x="0" y="0"/>
+          <a:chExt cx="0" cy="0"/>
+        </a:xfrm>
+      </p:grpSpPr>
+      <p:sp>
+        <p:nvSpPr>
+          <p:cNvPr id="2" name="Title 1"/>
+          <p:cNvSpPr>
+            <a:spLocks noGrp="1"/>
+          </p:cNvSpPr>
+          <p:nvPr>
+            <p:ph type="title"/>
+          </p:nvPr>
+        </p:nvSpPr>
+        <p:spPr/>
+        <p:txBody>
+          <a:bodyPr>
+            <a:normAutofit/>
+          </a:bodyPr>
+          <a:lstStyle/>
+          <a:p>
+            <a:r>
+              <a:rPr lang="en-US" dirty="0" smtClean="0"/>
+              <a:t>Now back to the menus</a:t>
+            </a:r>
+            <a:endParaRPr lang="en-IE" dirty="0"/>
+          </a:p>
+        </p:txBody>
+      </p:sp>
+      <p:sp>
+        <p:nvSpPr>
+          <p:cNvPr id="3" name="Content Placeholder 2"/>
+          <p:cNvSpPr>
+            <a:spLocks noGrp="1"/>
+          </p:cNvSpPr>
+          <p:nvPr>
+            <p:ph idx="1"/>
+          </p:nvPr>
+        </p:nvSpPr>
+        <p:spPr>
+          <a:xfrm>
+            <a:off x="457200" y="1775193"/>
+            <a:ext cx="8229600" cy="4625609"/>
+          </a:xfrm>
+        </p:spPr>
+        <p:txBody>
+          <a:bodyPr>
+            <a:normAutofit lnSpcReduction="10000"/>
+          </a:bodyPr>
+          <a:lstStyle/>
+          <a:p>
+            <a:r>
+              <a:rPr lang="en-IE" dirty="0" smtClean="0"/>
+              <a:t>We’ll add a menu hover colour</a:t>
+            </a:r>
+          </a:p>
+          <a:p>
+            <a:pPr lvl="1"/>
+            <a:r>
+              <a:rPr lang="en-IE" dirty="0" smtClean="0"/>
+              <a:t>A similar colour to the main colour often looks quite good</a:t>
+            </a:r>
+          </a:p>
+          <a:p>
+            <a:endParaRPr lang="en-IE" dirty="0" smtClean="0"/>
+          </a:p>
+          <a:p>
+            <a:r>
+              <a:rPr lang="en-IE" dirty="0" smtClean="0"/>
+              <a:t>We’ll make fancy menu dividers</a:t>
+            </a:r>
+          </a:p>
+          <a:p>
+            <a:pPr lvl="1"/>
+            <a:r>
+              <a:rPr lang="en-IE" dirty="0" smtClean="0"/>
+              <a:t>3D “trick”</a:t>
+            </a:r>
+          </a:p>
+          <a:p>
+            <a:pPr lvl="1"/>
+            <a:r>
+              <a:rPr lang="en-IE" dirty="0" smtClean="0"/>
+              <a:t>Two lines close together, but of different colours</a:t>
+            </a:r>
+          </a:p>
+          <a:p>
+            <a:endParaRPr lang="en-IE" dirty="0" smtClean="0"/>
+          </a:p>
+          <a:p>
+            <a:r>
+              <a:rPr lang="en-IE" dirty="0" smtClean="0"/>
+              <a:t>There are lots of computer graphics “tricks” like this</a:t>
+            </a:r>
+          </a:p>
+          <a:p>
+            <a:pPr lvl="1"/>
+            <a:endParaRPr lang="en-IE" dirty="0"/>
+          </a:p>
+        </p:txBody>
+      </p:sp>
+    </p:spTree>
+    <p:extLst>
+      <p:ext uri="{BB962C8B-B14F-4D97-AF65-F5344CB8AC3E}">
+        <p14:creationId xmlns:p14="http://schemas.microsoft.com/office/powerpoint/2010/main" val="938108517"/>
+      </p:ext>
+    </p:extLst>
+  </p:cSld>
+  <p:clrMapOvr>
+    <a:masterClrMapping/>
+  </p:clrMapOvr>
+  <p:timing>
+    <p:tnLst>
+      <p:par>
+        <p:cTn id="1" dur="indefinite" restart="never" nodeType="tmRoot"/>
+      </p:par>
+    </p:tnLst>
+  </p:timing>
+</p:sld>
+</file>
+
+<file path=ppt/slides/slide16.xml><?xml version="1.0" encoding="utf-8"?>
+<p:sld xmlns:a="http://schemas.openxmlformats.org/drawingml/2006/main" xmlns:r="http://schemas.openxmlformats.org/officeDocument/2006/relationships" xmlns:p="http://schemas.openxmlformats.org/presentationml/2006/main">
+  <p:cSld>
+    <p:spTree>
+      <p:nvGrpSpPr>
+        <p:cNvPr id="1" name=""/>
+        <p:cNvGrpSpPr/>
+        <p:nvPr/>
+      </p:nvGrpSpPr>
+      <p:grpSpPr>
+        <a:xfrm>
+          <a:off x="0" y="0"/>
+          <a:ext cx="0" cy="0"/>
+          <a:chOff x="0" y="0"/>
+          <a:chExt cx="0" cy="0"/>
+        </a:xfrm>
+      </p:grpSpPr>
+      <p:sp>
+        <p:nvSpPr>
+          <p:cNvPr id="2" name="Title 1"/>
+          <p:cNvSpPr>
+            <a:spLocks noGrp="1"/>
+          </p:cNvSpPr>
+          <p:nvPr>
+            <p:ph type="title"/>
+          </p:nvPr>
+        </p:nvSpPr>
+        <p:spPr/>
+        <p:txBody>
+          <a:bodyPr>
+            <a:normAutofit/>
+          </a:bodyPr>
+          <a:lstStyle/>
+          <a:p>
+            <a:r>
+              <a:rPr lang="en-US" dirty="0" smtClean="0"/>
+              <a:t>Adding a sub-menu</a:t>
+            </a:r>
+            <a:endParaRPr lang="en-IE" dirty="0"/>
+          </a:p>
+        </p:txBody>
+      </p:sp>
+      <p:sp>
+        <p:nvSpPr>
+          <p:cNvPr id="3" name="Content Placeholder 2"/>
+          <p:cNvSpPr>
+            <a:spLocks noGrp="1"/>
+          </p:cNvSpPr>
+          <p:nvPr>
+            <p:ph idx="1"/>
+          </p:nvPr>
+        </p:nvSpPr>
+        <p:spPr>
+          <a:xfrm>
+            <a:off x="457200" y="1775193"/>
+            <a:ext cx="8229600" cy="4625609"/>
+          </a:xfrm>
+        </p:spPr>
+        <p:txBody>
+          <a:bodyPr>
+            <a:normAutofit lnSpcReduction="10000"/>
+          </a:bodyPr>
+          <a:lstStyle/>
+          <a:p>
+            <a:r>
+              <a:rPr lang="en-IE" dirty="0" smtClean="0"/>
+              <a:t>We’ll use a class called </a:t>
+            </a:r>
+            <a:r>
+              <a:rPr lang="en-IE" b="1" dirty="0" smtClean="0"/>
+              <a:t>submenu</a:t>
+            </a:r>
+            <a:r>
+              <a:rPr lang="en-IE" dirty="0" smtClean="0"/>
+              <a:t> to identify the sub-menu</a:t>
+            </a:r>
+          </a:p>
+          <a:p>
+            <a:r>
+              <a:rPr lang="en-IE" dirty="0" smtClean="0"/>
+              <a:t>We embed another &lt;</a:t>
+            </a:r>
+            <a:r>
+              <a:rPr lang="en-IE" dirty="0" err="1" smtClean="0"/>
+              <a:t>ul</a:t>
+            </a:r>
+            <a:r>
+              <a:rPr lang="en-IE" dirty="0" smtClean="0"/>
+              <a:t>&gt; inside a &lt;li&gt; and style it …</a:t>
+            </a:r>
+          </a:p>
+          <a:p>
+            <a:pPr marL="118872" indent="0">
+              <a:buNone/>
+            </a:pPr>
+            <a:r>
+              <a:rPr lang="it-IT" dirty="0" smtClean="0"/>
+              <a:t>&lt;</a:t>
+            </a:r>
+            <a:r>
+              <a:rPr lang="it-IT" dirty="0"/>
+              <a:t>li class='submenu'&gt;&lt;a href='#'&gt;Products&lt;/a&gt;	</a:t>
+            </a:r>
+            <a:r>
+              <a:rPr lang="it-IT" dirty="0" smtClean="0"/>
+              <a:t>&lt;</a:t>
+            </a:r>
+            <a:r>
+              <a:rPr lang="it-IT" dirty="0"/>
+              <a:t>ul</a:t>
+            </a:r>
+            <a:r>
+              <a:rPr lang="it-IT" dirty="0" smtClean="0"/>
+              <a:t>&gt;</a:t>
+            </a:r>
+          </a:p>
+          <a:p>
+            <a:pPr marL="118872" indent="0">
+              <a:buNone/>
+            </a:pPr>
+            <a:r>
+              <a:rPr lang="it-IT" dirty="0"/>
+              <a:t>	</a:t>
+            </a:r>
+            <a:r>
+              <a:rPr lang="it-IT" dirty="0" smtClean="0"/>
+              <a:t>	&lt;</a:t>
+            </a:r>
+            <a:r>
+              <a:rPr lang="it-IT" dirty="0"/>
+              <a:t>li&gt;&lt;a href='#'&gt;Product 1&lt;/a&gt;&lt;/li&gt;		</a:t>
+            </a:r>
+            <a:r>
+              <a:rPr lang="it-IT" dirty="0" smtClean="0"/>
+              <a:t>&lt;</a:t>
+            </a:r>
+            <a:r>
+              <a:rPr lang="it-IT" dirty="0"/>
+              <a:t>li&gt;&lt;a href='#'&gt;Product 2&lt;/a&gt;&lt;/li&gt;	</a:t>
+            </a:r>
+            <a:r>
+              <a:rPr lang="it-IT" dirty="0" smtClean="0"/>
+              <a:t>&lt;/</a:t>
+            </a:r>
+            <a:r>
+              <a:rPr lang="it-IT" dirty="0"/>
+              <a:t>ul</a:t>
+            </a:r>
+            <a:r>
+              <a:rPr lang="it-IT" dirty="0" smtClean="0"/>
+              <a:t>&gt;</a:t>
+            </a:r>
+          </a:p>
+          <a:p>
+            <a:pPr marL="118872" indent="0">
+              <a:buNone/>
+            </a:pPr>
+            <a:r>
+              <a:rPr lang="it-IT" dirty="0" smtClean="0"/>
+              <a:t>&lt;/</a:t>
+            </a:r>
+            <a:r>
+              <a:rPr lang="it-IT" dirty="0"/>
+              <a:t>li&gt;</a:t>
+            </a:r>
+            <a:endParaRPr lang="en-IE" dirty="0"/>
+          </a:p>
+        </p:txBody>
+      </p:sp>
+    </p:spTree>
+    <p:extLst>
+      <p:ext uri="{BB962C8B-B14F-4D97-AF65-F5344CB8AC3E}">
+        <p14:creationId xmlns:p14="http://schemas.microsoft.com/office/powerpoint/2010/main" val="1579276290"/>
+      </p:ext>
+    </p:extLst>
+  </p:cSld>
+  <p:clrMapOvr>
+    <a:masterClrMapping/>
+  </p:clrMapOvr>
+  <p:timing>
+    <p:tnLst>
+      <p:par>
+        <p:cTn id="1" dur="indefinite" restart="never" nodeType="tmRoot"/>
+      </p:par>
+    </p:tnLst>
+  </p:timing>
+</p:sld>
+</file>
+
+<file path=ppt/slides/slide17.xml><?xml version="1.0" encoding="utf-8"?>
+<p:sld xmlns:a="http://schemas.openxmlformats.org/drawingml/2006/main" xmlns:r="http://schemas.openxmlformats.org/officeDocument/2006/relationships" xmlns:p="http://schemas.openxmlformats.org/presentationml/2006/main">
+  <p:cSld>
+    <p:spTree>
+      <p:nvGrpSpPr>
+        <p:cNvPr id="1" name=""/>
+        <p:cNvGrpSpPr/>
+        <p:nvPr/>
+      </p:nvGrpSpPr>
+      <p:grpSpPr>
+        <a:xfrm>
+          <a:off x="0" y="0"/>
+          <a:ext cx="0" cy="0"/>
+          <a:chOff x="0" y="0"/>
+          <a:chExt cx="0" cy="0"/>
+        </a:xfrm>
+      </p:grpSpPr>
+      <p:sp>
+        <p:nvSpPr>
+          <p:cNvPr id="2" name="Title 1"/>
+          <p:cNvSpPr>
+            <a:spLocks noGrp="1"/>
+          </p:cNvSpPr>
+          <p:nvPr>
+            <p:ph type="title"/>
+          </p:nvPr>
+        </p:nvSpPr>
+        <p:spPr/>
+        <p:txBody>
+          <a:bodyPr>
+            <a:normAutofit/>
+          </a:bodyPr>
+          <a:lstStyle/>
+          <a:p>
+            <a:r>
+              <a:rPr lang="en-US" dirty="0" smtClean="0"/>
+              <a:t>Making a website</a:t>
+            </a:r>
+            <a:endParaRPr lang="en-IE" dirty="0"/>
+          </a:p>
+        </p:txBody>
+      </p:sp>
+      <p:sp>
+        <p:nvSpPr>
+          <p:cNvPr id="3" name="Content Placeholder 2"/>
+          <p:cNvSpPr>
+            <a:spLocks noGrp="1"/>
+          </p:cNvSpPr>
+          <p:nvPr>
+            <p:ph idx="1"/>
+          </p:nvPr>
+        </p:nvSpPr>
+        <p:spPr>
+          <a:xfrm>
+            <a:off x="457200" y="1775193"/>
+            <a:ext cx="8229600" cy="4625609"/>
+          </a:xfrm>
+        </p:spPr>
+        <p:txBody>
+          <a:bodyPr>
+            <a:normAutofit lnSpcReduction="10000"/>
+          </a:bodyPr>
+          <a:lstStyle/>
+          <a:p>
+            <a:r>
+              <a:rPr lang="en-IE" dirty="0" smtClean="0"/>
+              <a:t>The Dublin Dojos share a site you can use to publish your work:  http://dojo.hallamor.org </a:t>
+            </a:r>
+          </a:p>
+          <a:p>
+            <a:endParaRPr lang="en-IE" dirty="0" smtClean="0"/>
+          </a:p>
+          <a:p>
+            <a:r>
+              <a:rPr lang="en-IE" dirty="0" smtClean="0"/>
+              <a:t>Instructions for Komodo Edit are here:</a:t>
+            </a:r>
+          </a:p>
+          <a:p>
+            <a:pPr marL="118872" indent="0">
+              <a:buNone/>
+            </a:pPr>
+            <a:r>
+              <a:rPr lang="en-IE" dirty="0" smtClean="0"/>
+              <a:t/>
+            </a:r>
+            <a:br>
+              <a:rPr lang="en-IE" dirty="0" smtClean="0"/>
+            </a:br>
+            <a:r>
+              <a:rPr lang="en-IE" dirty="0" smtClean="0">
+                <a:hlinkClick r:id="rId3"/>
+              </a:rPr>
+              <a:t>http://dojo.hallamor.org/mentor-resources/hosting-your-files-dojo-hallamor-org</a:t>
+            </a:r>
+            <a:endParaRPr lang="en-IE" dirty="0" smtClean="0"/>
+          </a:p>
+          <a:p>
+            <a:endParaRPr lang="en-IE" dirty="0" smtClean="0"/>
+          </a:p>
+          <a:p>
+            <a:r>
+              <a:rPr lang="en-IE" dirty="0" smtClean="0"/>
+              <a:t>Make a directory for yourself and upload your files</a:t>
+            </a:r>
+            <a:endParaRPr lang="en-IE" dirty="0"/>
+          </a:p>
+        </p:txBody>
+      </p:sp>
+    </p:spTree>
+    <p:extLst>
+      <p:ext uri="{BB962C8B-B14F-4D97-AF65-F5344CB8AC3E}">
+        <p14:creationId xmlns:p14="http://schemas.microsoft.com/office/powerpoint/2010/main" val="4131167588"/>
+      </p:ext>
+    </p:extLst>
+  </p:cSld>
+  <p:clrMapOvr>
+    <a:masterClrMapping/>
+  </p:clrMapOvr>
+  <p:timing>
+    <p:tnLst>
+      <p:par>
+        <p:cTn id="1" dur="indefinite" restart="never" nodeType="tmRoot"/>
+      </p:par>
+    </p:tnLst>
+  </p:timing>
+</p:sld>
+</file>
+
+<file path=ppt/slides/slide18.xml><?xml version="1.0" encoding="utf-8"?>
+<p:sld xmlns:a="http://schemas.openxmlformats.org/drawingml/2006/main" xmlns:r="http://schemas.openxmlformats.org/officeDocument/2006/relationships" xmlns:p="http://schemas.openxmlformats.org/presentationml/2006/main">
+  <p:cSld>
+    <p:spTree>
+      <p:nvGrpSpPr>
+        <p:cNvPr id="1" name=""/>
+        <p:cNvGrpSpPr/>
+        <p:nvPr/>
+      </p:nvGrpSpPr>
+      <p:grpSpPr>
+        <a:xfrm>
+          <a:off x="0" y="0"/>
+          <a:ext cx="0" cy="0"/>
+          <a:chOff x="0" y="0"/>
+          <a:chExt cx="0" cy="0"/>
+        </a:xfrm>
+      </p:grpSpPr>
+      <p:sp>
+        <p:nvSpPr>
+          <p:cNvPr id="2" name="Title 1"/>
+          <p:cNvSpPr>
+            <a:spLocks noGrp="1"/>
+          </p:cNvSpPr>
+          <p:nvPr>
+            <p:ph type="title"/>
+          </p:nvPr>
+        </p:nvSpPr>
+        <p:spPr/>
+        <p:txBody>
+          <a:bodyPr>
+            <a:normAutofit/>
+          </a:bodyPr>
+          <a:lstStyle/>
+          <a:p>
+            <a:r>
+              <a:rPr lang="en-US" dirty="0"/>
+              <a:t>So, CSS Styles Then …</a:t>
+            </a:r>
+            <a:endParaRPr lang="en-IE" dirty="0"/>
+          </a:p>
+        </p:txBody>
+      </p:sp>
+      <p:sp>
+        <p:nvSpPr>
+          <p:cNvPr id="3" name="Content Placeholder 2"/>
+          <p:cNvSpPr>
+            <a:spLocks noGrp="1"/>
+          </p:cNvSpPr>
+          <p:nvPr>
+            <p:ph idx="1"/>
+          </p:nvPr>
+        </p:nvSpPr>
+        <p:spPr>
+          <a:xfrm>
+            <a:off x="457200" y="1775193"/>
+            <a:ext cx="8229600" cy="4625609"/>
+          </a:xfrm>
+        </p:spPr>
+        <p:txBody>
+          <a:bodyPr>
+            <a:normAutofit fontScale="92500" lnSpcReduction="20000"/>
+          </a:bodyPr>
+          <a:lstStyle/>
+          <a:p>
+            <a:r>
+              <a:rPr lang="en-IE" dirty="0" smtClean="0"/>
+              <a:t>All that menu CSS styles: how did I figure that out?</a:t>
+            </a:r>
+          </a:p>
+          <a:p>
+            <a:endParaRPr lang="en-IE" dirty="0" smtClean="0"/>
+          </a:p>
+          <a:p>
+            <a:r>
+              <a:rPr lang="en-IE" dirty="0" smtClean="0"/>
+              <a:t>I didn’t. I used a tool. Everybody uses a tool.</a:t>
+            </a:r>
+          </a:p>
+          <a:p>
+            <a:pPr lvl="1"/>
+            <a:r>
+              <a:rPr lang="en-IE" dirty="0" smtClean="0"/>
+              <a:t>But understanding how the CSS works makes the tools more useful</a:t>
+            </a:r>
+          </a:p>
+          <a:p>
+            <a:pPr lvl="1"/>
+            <a:endParaRPr lang="en-IE" dirty="0"/>
+          </a:p>
+          <a:p>
+            <a:r>
+              <a:rPr lang="en-IE" dirty="0" smtClean="0"/>
+              <a:t>I used </a:t>
+            </a:r>
+            <a:r>
+              <a:rPr lang="en-IE" dirty="0">
+                <a:hlinkClick r:id="rId3"/>
+              </a:rPr>
+              <a:t>http://</a:t>
+            </a:r>
+            <a:r>
+              <a:rPr lang="en-IE" dirty="0" smtClean="0">
+                <a:hlinkClick r:id="rId3"/>
+              </a:rPr>
+              <a:t>cssmenumaker.com/css-drop-down-menu</a:t>
+            </a:r>
+            <a:endParaRPr lang="en-IE" dirty="0" smtClean="0"/>
+          </a:p>
+          <a:p>
+            <a:endParaRPr lang="en-IE" dirty="0"/>
+          </a:p>
+          <a:p>
+            <a:r>
+              <a:rPr lang="en-IE" dirty="0" smtClean="0"/>
+              <a:t>Now you understand how this works, you can use it to make a completely different menu</a:t>
+            </a:r>
+            <a:endParaRPr lang="en-IE" dirty="0"/>
+          </a:p>
+        </p:txBody>
+      </p:sp>
+    </p:spTree>
+    <p:extLst>
+      <p:ext uri="{BB962C8B-B14F-4D97-AF65-F5344CB8AC3E}">
+        <p14:creationId xmlns:p14="http://schemas.microsoft.com/office/powerpoint/2010/main" val="2260984496"/>
+      </p:ext>
+    </p:extLst>
+  </p:cSld>
+  <p:clrMapOvr>
+    <a:masterClrMapping/>
+  </p:clrMapOvr>
+  <p:timing>
+    <p:tnLst>
+      <p:par>
+        <p:cTn id="1" dur="indefinite" restart="never" nodeType="tmRoot"/>
+      </p:par>
+    </p:tnLst>
+  </p:timing>
+</p:sld>
+</file>
+
+<file path=ppt/slides/slide19.xml><?xml version="1.0" encoding="utf-8"?>
+<p:sld xmlns:a="http://schemas.openxmlformats.org/drawingml/2006/main" xmlns:r="http://schemas.openxmlformats.org/officeDocument/2006/relationships" xmlns:p="http://schemas.openxmlformats.org/presentationml/2006/main">
+  <p:cSld>
+    <p:spTree>
+      <p:nvGrpSpPr>
+        <p:cNvPr id="1" name=""/>
+        <p:cNvGrpSpPr/>
+        <p:nvPr/>
+      </p:nvGrpSpPr>
+      <p:grpSpPr>
+        <a:xfrm>
+          <a:off x="0" y="0"/>
+          <a:ext cx="0" cy="0"/>
+          <a:chOff x="0" y="0"/>
+          <a:chExt cx="0" cy="0"/>
+        </a:xfrm>
+      </p:grpSpPr>
+      <p:sp>
+        <p:nvSpPr>
+          <p:cNvPr id="2" name="Title 1"/>
+          <p:cNvSpPr>
+            <a:spLocks noGrp="1"/>
+          </p:cNvSpPr>
+          <p:nvPr>
+            <p:ph type="title"/>
+          </p:nvPr>
+        </p:nvSpPr>
+        <p:spPr/>
+        <p:txBody>
+          <a:bodyPr/>
+          <a:lstStyle/>
+          <a:p>
+            <a:r>
+              <a:rPr lang="en-IE" dirty="0" smtClean="0"/>
+              <a:t>Now Practice Some More!</a:t>
+            </a:r>
+            <a:endParaRPr lang="en-IE" dirty="0"/>
+          </a:p>
+        </p:txBody>
+      </p:sp>
+      <p:sp>
+        <p:nvSpPr>
+          <p:cNvPr id="3" name="Content Placeholder 2"/>
+          <p:cNvSpPr>
+            <a:spLocks noGrp="1"/>
+          </p:cNvSpPr>
+          <p:nvPr>
+            <p:ph idx="1"/>
+          </p:nvPr>
+        </p:nvSpPr>
+        <p:spPr/>
+        <p:txBody>
+          <a:bodyPr>
+            <a:normAutofit fontScale="92500" lnSpcReduction="20000"/>
+          </a:bodyPr>
+          <a:lstStyle/>
+          <a:p>
+            <a:pPr marL="118872" indent="0">
+              <a:buNone/>
+            </a:pPr>
+            <a:r>
+              <a:rPr lang="en-IE" dirty="0" smtClean="0"/>
+              <a:t>Make a new website, or upload the one you’ve worked on to dojo.hallamor.org</a:t>
+            </a:r>
+          </a:p>
+          <a:p>
+            <a:pPr marL="118872" indent="0">
+              <a:buNone/>
+            </a:pPr>
+            <a:endParaRPr lang="en-IE" dirty="0" smtClean="0"/>
+          </a:p>
+          <a:p>
+            <a:pPr marL="118872" indent="0">
+              <a:buNone/>
+            </a:pPr>
+            <a:r>
+              <a:rPr lang="en-IE" dirty="0"/>
+              <a:t>At home, practice what you learned this week</a:t>
+            </a:r>
+          </a:p>
+          <a:p>
+            <a:pPr marL="118872" indent="0">
+              <a:buNone/>
+            </a:pPr>
+            <a:endParaRPr lang="en-IE" dirty="0"/>
+          </a:p>
+          <a:p>
+            <a:pPr marL="118872" indent="0">
+              <a:buNone/>
+            </a:pPr>
+            <a:r>
+              <a:rPr lang="en-IE" dirty="0" smtClean="0"/>
+              <a:t>Look at </a:t>
+            </a:r>
+            <a:r>
+              <a:rPr lang="en-IE" dirty="0" smtClean="0">
+                <a:hlinkClick r:id="rId3"/>
+              </a:rPr>
+              <a:t>www.w3schools.com</a:t>
+            </a:r>
+            <a:r>
+              <a:rPr lang="en-IE" dirty="0" smtClean="0"/>
+              <a:t> for examples of other CSS </a:t>
+            </a:r>
+            <a:r>
+              <a:rPr lang="en-IE" dirty="0" smtClean="0"/>
+              <a:t>styles</a:t>
+            </a:r>
+            <a:endParaRPr lang="en-IE" dirty="0" smtClean="0"/>
+          </a:p>
+          <a:p>
+            <a:pPr marL="118872" indent="0">
+              <a:buNone/>
+            </a:pPr>
+            <a:endParaRPr lang="en-IE" dirty="0"/>
+          </a:p>
+          <a:p>
+            <a:pPr marL="118872" indent="0">
+              <a:buNone/>
+            </a:pPr>
+            <a:r>
+              <a:rPr lang="en-IE" dirty="0" smtClean="0"/>
+              <a:t>Look for other CSS tools, tips and tricks online</a:t>
+            </a:r>
+          </a:p>
+          <a:p>
+            <a:pPr marL="118872" indent="0">
+              <a:buNone/>
+            </a:pPr>
+            <a:endParaRPr lang="en-IE" dirty="0"/>
+          </a:p>
+          <a:p>
+            <a:pPr marL="118872" indent="0">
+              <a:buNone/>
+            </a:pPr>
+            <a:r>
+              <a:rPr lang="en-IE" dirty="0" smtClean="0"/>
+              <a:t>Send us the URLs of your websites to look at, to </a:t>
+            </a:r>
+            <a:r>
+              <a:rPr lang="en-IE" dirty="0" smtClean="0">
+                <a:hlinkClick r:id="rId4"/>
+              </a:rPr>
+              <a:t>bray@coderdojo.com</a:t>
+            </a:r>
+            <a:r>
+              <a:rPr lang="en-IE" dirty="0" smtClean="0"/>
+              <a:t> </a:t>
+            </a:r>
+            <a:endParaRPr lang="en-IE" dirty="0" smtClean="0"/>
+          </a:p>
+          <a:p>
+            <a:pPr marL="118872" indent="0">
+              <a:buNone/>
+            </a:pPr>
+            <a:endParaRPr lang="en-IE" sz="2800" dirty="0" smtClean="0"/>
+          </a:p>
+        </p:txBody>
+      </p:sp>
+    </p:spTree>
+    <p:extLst>
+      <p:ext uri="{BB962C8B-B14F-4D97-AF65-F5344CB8AC3E}">
+        <p14:creationId xmlns:p14="http://schemas.microsoft.com/office/powerpoint/2010/main" val="1683976760"/>
       </p:ext>
     </p:extLst>
   </p:cSld>
@@ -4745,51 +8208,220 @@
         </p:nvSpPr>
         <p:spPr/>
         <p:txBody>
-          <a:bodyPr/>
-          <a:lstStyle/>
-          <a:p>
+          <a:bodyPr>
+            <a:normAutofit/>
+          </a:bodyPr>
+          <a:lstStyle/>
+          <a:p>
+            <a:r>
+              <a:rPr lang="en-IE" sz="5400" dirty="0" smtClean="0"/>
+              <a:t>Join w</a:t>
+            </a:r>
+            <a:r>
+              <a:rPr lang="en-IE" sz="5400" dirty="0" smtClean="0"/>
+              <a:t>ireless network</a:t>
+            </a:r>
             <a:r>
               <a:rPr lang="en-IE" sz="6600" dirty="0" smtClean="0"/>
-              <a:t>Wireless network is: </a:t>
+              <a:t>: </a:t>
+            </a:r>
+            <a:r>
+              <a:rPr lang="en-IE" sz="6600" dirty="0" smtClean="0"/>
+              <a:t/>
             </a:r>
             <a:br>
               <a:rPr lang="en-IE" sz="6600" dirty="0" smtClean="0"/>
             </a:br>
             <a:r>
               <a:rPr lang="en-IE" sz="6600" dirty="0" smtClean="0"/>
+              <a:t>       </a:t>
+            </a:r>
+            <a:r>
+              <a:rPr lang="en-IE" sz="7200" b="1" dirty="0" err="1" smtClean="0"/>
+              <a:t>coderdojo</a:t>
+            </a:r>
+            <a:endParaRPr lang="en-IE" sz="7200" b="1" dirty="0"/>
+          </a:p>
+          <a:p>
+            <a:r>
+              <a:rPr lang="en-IE" sz="3000" dirty="0" smtClean="0"/>
+              <a:t>Have you got:</a:t>
+            </a:r>
+            <a:br>
+              <a:rPr lang="en-IE" sz="3000" dirty="0" smtClean="0"/>
+            </a:br>
+            <a:r>
+              <a:rPr lang="en-IE" sz="3000" dirty="0" smtClean="0"/>
+              <a:t>- Google Chrome</a:t>
+            </a:r>
+            <a:br>
+              <a:rPr lang="en-IE" sz="3000" dirty="0" smtClean="0"/>
+            </a:br>
+            <a:r>
+              <a:rPr lang="en-IE" sz="3000" dirty="0" smtClean="0"/>
+              <a:t>- Komodo Edit</a:t>
+            </a:r>
+            <a:br>
+              <a:rPr lang="en-IE" sz="3000" dirty="0" smtClean="0"/>
+            </a:br>
+            <a:r>
+              <a:rPr lang="en-IE" sz="3000" dirty="0" smtClean="0"/>
               <a:t/>
             </a:r>
             <a:br>
-              <a:rPr lang="en-IE" sz="6600" dirty="0" smtClean="0"/>
+              <a:rPr lang="en-IE" sz="3000" dirty="0" smtClean="0"/>
             </a:br>
             <a:r>
-              <a:rPr lang="en-IE" sz="6600" dirty="0" smtClean="0"/>
-              <a:t>       </a:t>
-            </a:r>
-            <a:r>
-              <a:rPr lang="en-IE" sz="8800" b="1" dirty="0" err="1" smtClean="0"/>
-              <a:t>coderdojo</a:t>
-            </a:r>
-            <a:endParaRPr lang="en-IE" sz="8800" b="1" dirty="0" smtClean="0"/>
+              <a:rPr lang="en-IE" sz="3000" dirty="0" smtClean="0"/>
+              <a:t>Installed on your laptop?</a:t>
+            </a:r>
+            <a:endParaRPr lang="en-IE" sz="3000" dirty="0" smtClean="0"/>
           </a:p>
           <a:p>
             <a:pPr marL="118872" indent="0">
               <a:buNone/>
             </a:pPr>
-            <a:endParaRPr lang="en-IE" b="1" dirty="0"/>
+            <a:endParaRPr lang="en-IE" sz="3000" dirty="0"/>
           </a:p>
         </p:txBody>
       </p:sp>
     </p:spTree>
     <p:extLst>
       <p:ext uri="{BB962C8B-B14F-4D97-AF65-F5344CB8AC3E}">
-        <p14:creationId xmlns:p14="http://schemas.microsoft.com/office/powerpoint/2010/main" val="3427478695"/>
+        <p14:creationId xmlns:p14="http://schemas.microsoft.com/office/powerpoint/2010/main" val="1319253189"/>
       </p:ext>
     </p:extLst>
   </p:cSld>
   <p:clrMapOvr>
     <a:masterClrMapping/>
   </p:clrMapOvr>
+</p:sld>
+</file>
+
+<file path=ppt/slides/slide20.xml><?xml version="1.0" encoding="utf-8"?>
+<p:sld xmlns:a="http://schemas.openxmlformats.org/drawingml/2006/main" xmlns:r="http://schemas.openxmlformats.org/officeDocument/2006/relationships" xmlns:p="http://schemas.openxmlformats.org/presentationml/2006/main">
+  <p:cSld>
+    <p:spTree>
+      <p:nvGrpSpPr>
+        <p:cNvPr id="1" name=""/>
+        <p:cNvGrpSpPr/>
+        <p:nvPr/>
+      </p:nvGrpSpPr>
+      <p:grpSpPr>
+        <a:xfrm>
+          <a:off x="0" y="0"/>
+          <a:ext cx="0" cy="0"/>
+          <a:chOff x="0" y="0"/>
+          <a:chExt cx="0" cy="0"/>
+        </a:xfrm>
+      </p:grpSpPr>
+      <p:sp>
+        <p:nvSpPr>
+          <p:cNvPr id="2" name="Title 1"/>
+          <p:cNvSpPr>
+            <a:spLocks noGrp="1"/>
+          </p:cNvSpPr>
+          <p:nvPr>
+            <p:ph type="title"/>
+          </p:nvPr>
+        </p:nvSpPr>
+        <p:spPr/>
+        <p:txBody>
+          <a:bodyPr>
+            <a:normAutofit/>
+          </a:bodyPr>
+          <a:lstStyle/>
+          <a:p>
+            <a:r>
+              <a:rPr lang="en-US" dirty="0" smtClean="0"/>
+              <a:t>Next Week … </a:t>
+            </a:r>
+            <a:endParaRPr lang="en-IE" dirty="0"/>
+          </a:p>
+        </p:txBody>
+      </p:sp>
+      <p:sp>
+        <p:nvSpPr>
+          <p:cNvPr id="3" name="Content Placeholder 2"/>
+          <p:cNvSpPr>
+            <a:spLocks noGrp="1"/>
+          </p:cNvSpPr>
+          <p:nvPr>
+            <p:ph idx="1"/>
+          </p:nvPr>
+        </p:nvSpPr>
+        <p:spPr>
+          <a:xfrm>
+            <a:off x="457200" y="1775193"/>
+            <a:ext cx="8229600" cy="4625609"/>
+          </a:xfrm>
+        </p:spPr>
+        <p:txBody>
+          <a:bodyPr>
+            <a:normAutofit/>
+          </a:bodyPr>
+          <a:lstStyle/>
+          <a:p>
+            <a:pPr marL="118872" indent="0">
+              <a:buNone/>
+            </a:pPr>
+            <a:r>
+              <a:rPr lang="en-IE" dirty="0" smtClean="0"/>
+              <a:t>Next week:</a:t>
+            </a:r>
+          </a:p>
+          <a:p>
+            <a:pPr marL="118872" indent="0">
+              <a:buNone/>
+            </a:pPr>
+            <a:endParaRPr lang="en-IE" dirty="0"/>
+          </a:p>
+          <a:p>
+            <a:r>
+              <a:rPr lang="en-IE" dirty="0" smtClean="0"/>
+              <a:t>We’ll look at how to layout a full page using CSS for a stylish website</a:t>
+            </a:r>
+          </a:p>
+          <a:p>
+            <a:endParaRPr lang="en-IE" dirty="0"/>
+          </a:p>
+          <a:p>
+            <a:r>
+              <a:rPr lang="en-IE" dirty="0" smtClean="0"/>
+              <a:t>You’ll be able to customise this for your own websites with your own colour scheme and layout</a:t>
+            </a:r>
+          </a:p>
+          <a:p>
+            <a:endParaRPr lang="en-IE" dirty="0"/>
+          </a:p>
+          <a:p>
+            <a:endParaRPr lang="en-IE" dirty="0" smtClean="0"/>
+          </a:p>
+          <a:p>
+            <a:endParaRPr lang="en-IE" dirty="0"/>
+          </a:p>
+          <a:p>
+            <a:endParaRPr lang="en-IE" dirty="0"/>
+          </a:p>
+        </p:txBody>
+      </p:sp>
+    </p:spTree>
+    <p:extLst>
+      <p:ext uri="{BB962C8B-B14F-4D97-AF65-F5344CB8AC3E}">
+        <p14:creationId xmlns:p14="http://schemas.microsoft.com/office/powerpoint/2010/main" val="3010596827"/>
+      </p:ext>
+    </p:extLst>
+  </p:cSld>
+  <p:clrMapOvr>
+    <a:masterClrMapping/>
+  </p:clrMapOvr>
+  <p:timing>
+    <p:tnLst>
+      <p:par>
+        <p:cTn id="1" dur="indefinite" restart="never" nodeType="tmRoot"/>
+      </p:par>
+    </p:tnLst>
+  </p:timing>
 </p:sld>
 </file>
 
@@ -4834,15 +8466,7 @@
           <a:p>
             <a:r>
               <a:rPr lang="en-IE" dirty="0" smtClean="0"/>
-              <a:t>Session </a:t>
-            </a:r>
-            <a:r>
-              <a:rPr lang="en-IE" dirty="0" smtClean="0"/>
-              <a:t>#3</a:t>
-            </a:r>
-            <a:r>
-              <a:rPr lang="en-IE" dirty="0" smtClean="0"/>
-              <a:t/>
+              <a:t>Session #3</a:t>
             </a:r>
             <a:br>
               <a:rPr lang="en-IE" dirty="0" smtClean="0"/>
@@ -4877,11 +8501,7 @@
           <a:p>
             <a:r>
               <a:rPr lang="en-IE" dirty="0" smtClean="0"/>
-              <a:t>Review last week’s </a:t>
-            </a:r>
-            <a:r>
-              <a:rPr lang="en-IE" dirty="0" smtClean="0"/>
-              <a:t>work</a:t>
+              <a:t>Review last week’s work</a:t>
             </a:r>
           </a:p>
           <a:p>
@@ -4990,55 +8610,66 @@
         <p:spPr/>
         <p:txBody>
           <a:bodyPr>
-            <a:normAutofit/>
+            <a:normAutofit fontScale="92500" lnSpcReduction="20000"/>
           </a:bodyPr>
           <a:lstStyle/>
           <a:p>
             <a:r>
               <a:rPr lang="en-US" dirty="0" smtClean="0"/>
-              <a:t>We </a:t>
-            </a:r>
-            <a:r>
-              <a:rPr lang="en-US" dirty="0" smtClean="0"/>
-              <a:t>looked at what HTML source code looks like</a:t>
-            </a:r>
+              <a:t>We looked at </a:t>
+            </a:r>
+            <a:r>
+              <a:rPr lang="en-IE" dirty="0" smtClean="0"/>
+              <a:t>lists and tables</a:t>
+            </a:r>
+          </a:p>
+          <a:p>
+            <a:r>
+              <a:rPr lang="en-IE" dirty="0" smtClean="0"/>
+              <a:t>We turned a list into a menu using CSS</a:t>
+            </a:r>
+          </a:p>
+          <a:p>
+            <a:endParaRPr lang="en-IE" dirty="0"/>
+          </a:p>
+          <a:p>
+            <a:r>
+              <a:rPr lang="en-IE" dirty="0" smtClean="0"/>
+              <a:t>But this menu was … super ugly</a:t>
+            </a:r>
+          </a:p>
+          <a:p>
+            <a:pPr lvl="1"/>
+            <a:r>
+              <a:rPr lang="en-IE" dirty="0" smtClean="0"/>
+              <a:t>Because I am an engineer, not a graphic designer</a:t>
+            </a:r>
+          </a:p>
+          <a:p>
+            <a:endParaRPr lang="en-IE" dirty="0"/>
+          </a:p>
+          <a:p>
+            <a:r>
+              <a:rPr lang="en-IE" dirty="0" smtClean="0"/>
+              <a:t>However all is not lost</a:t>
+            </a:r>
+          </a:p>
+          <a:p>
+            <a:pPr lvl="1"/>
+            <a:r>
+              <a:rPr lang="en-IE" dirty="0" smtClean="0"/>
+              <a:t>Because I know how to copy good graphic designers and today I will show you how</a:t>
+            </a:r>
+          </a:p>
+          <a:p>
+            <a:pPr lvl="1"/>
             <a:endParaRPr lang="en-IE" dirty="0" smtClean="0"/>
           </a:p>
           <a:p>
             <a:r>
               <a:rPr lang="en-IE" dirty="0" smtClean="0"/>
-              <a:t>We looked at &lt;h1&gt;, &lt;h2&gt;, &lt;</a:t>
-            </a:r>
-            <a:r>
-              <a:rPr lang="en-IE" dirty="0" err="1" smtClean="0"/>
-              <a:t>img</a:t>
-            </a:r>
-            <a:r>
-              <a:rPr lang="en-IE" dirty="0" smtClean="0"/>
-              <a:t>&gt;, &lt;marquee&gt;, &lt;p&gt;, &lt;</a:t>
-            </a:r>
-            <a:r>
-              <a:rPr lang="en-IE" dirty="0" err="1" smtClean="0"/>
-              <a:t>br</a:t>
-            </a:r>
-            <a:r>
-              <a:rPr lang="en-IE" dirty="0" smtClean="0"/>
-              <a:t>/&gt;, &lt;a&gt; tags</a:t>
-            </a:r>
-          </a:p>
-          <a:p>
-            <a:r>
-              <a:rPr lang="en-US" dirty="0" smtClean="0"/>
-              <a:t>We added some CSS style!</a:t>
-            </a:r>
-            <a:endParaRPr lang="en-IE" dirty="0" smtClean="0"/>
-          </a:p>
-          <a:p>
-            <a:r>
-              <a:rPr lang="en-US" dirty="0" smtClean="0"/>
-              <a:t>We embedded a map and published your page on Mozilla Thimble</a:t>
-            </a:r>
-            <a:endParaRPr lang="en-IE" dirty="0"/>
+              <a:t>Today we will make a very professional looking menu using CSS</a:t>
+            </a:r>
           </a:p>
         </p:txBody>
       </p:sp>
@@ -5046,6 +8677,857 @@
     <p:extLst>
       <p:ext uri="{BB962C8B-B14F-4D97-AF65-F5344CB8AC3E}">
         <p14:creationId xmlns:p14="http://schemas.microsoft.com/office/powerpoint/2010/main" val="446287894"/>
+      </p:ext>
+    </p:extLst>
+  </p:cSld>
+  <p:clrMapOvr>
+    <a:masterClrMapping/>
+  </p:clrMapOvr>
+  <p:timing>
+    <p:tnLst>
+      <p:par>
+        <p:cTn id="1" dur="indefinite" restart="never" nodeType="tmRoot"/>
+      </p:par>
+    </p:tnLst>
+  </p:timing>
+</p:sld>
+</file>
+
+<file path=ppt/slides/slide5.xml><?xml version="1.0" encoding="utf-8"?>
+<p:sld xmlns:a="http://schemas.openxmlformats.org/drawingml/2006/main" xmlns:r="http://schemas.openxmlformats.org/officeDocument/2006/relationships" xmlns:p="http://schemas.openxmlformats.org/presentationml/2006/main">
+  <p:cSld>
+    <p:spTree>
+      <p:nvGrpSpPr>
+        <p:cNvPr id="1" name=""/>
+        <p:cNvGrpSpPr/>
+        <p:nvPr/>
+      </p:nvGrpSpPr>
+      <p:grpSpPr>
+        <a:xfrm>
+          <a:off x="0" y="0"/>
+          <a:ext cx="0" cy="0"/>
+          <a:chOff x="0" y="0"/>
+          <a:chExt cx="0" cy="0"/>
+        </a:xfrm>
+      </p:grpSpPr>
+      <p:sp>
+        <p:nvSpPr>
+          <p:cNvPr id="2" name="Title 1"/>
+          <p:cNvSpPr>
+            <a:spLocks noGrp="1"/>
+          </p:cNvSpPr>
+          <p:nvPr>
+            <p:ph type="title"/>
+          </p:nvPr>
+        </p:nvSpPr>
+        <p:spPr/>
+        <p:txBody>
+          <a:bodyPr/>
+          <a:lstStyle/>
+          <a:p>
+            <a:r>
+              <a:rPr lang="en-US" dirty="0" smtClean="0"/>
+              <a:t>A new HTML tag, &lt;div&gt;</a:t>
+            </a:r>
+            <a:endParaRPr lang="en-IE" dirty="0"/>
+          </a:p>
+        </p:txBody>
+      </p:sp>
+      <p:sp>
+        <p:nvSpPr>
+          <p:cNvPr id="3" name="Content Placeholder 2"/>
+          <p:cNvSpPr>
+            <a:spLocks noGrp="1"/>
+          </p:cNvSpPr>
+          <p:nvPr>
+            <p:ph idx="1"/>
+          </p:nvPr>
+        </p:nvSpPr>
+        <p:spPr/>
+        <p:txBody>
+          <a:bodyPr>
+            <a:normAutofit/>
+          </a:bodyPr>
+          <a:lstStyle/>
+          <a:p>
+            <a:r>
+              <a:rPr lang="en-IE" dirty="0" smtClean="0"/>
+              <a:t>Like last week, we’re going to turn a &lt;</a:t>
+            </a:r>
+            <a:r>
+              <a:rPr lang="en-IE" dirty="0" err="1" smtClean="0"/>
+              <a:t>ul</a:t>
+            </a:r>
+            <a:r>
+              <a:rPr lang="en-IE" dirty="0" smtClean="0"/>
+              <a:t>&gt; into a menu using CSS</a:t>
+            </a:r>
+            <a:endParaRPr lang="en-IE" dirty="0"/>
+          </a:p>
+          <a:p>
+            <a:r>
+              <a:rPr lang="en-IE" dirty="0" smtClean="0"/>
+              <a:t>To change a &lt;</a:t>
+            </a:r>
+            <a:r>
+              <a:rPr lang="en-IE" dirty="0" err="1" smtClean="0"/>
+              <a:t>ul</a:t>
+            </a:r>
+            <a:r>
+              <a:rPr lang="en-IE" dirty="0" smtClean="0"/>
+              <a:t>&gt; into a menu, we need to</a:t>
+            </a:r>
+          </a:p>
+          <a:p>
+            <a:pPr lvl="1"/>
+            <a:r>
+              <a:rPr lang="en-IE" dirty="0" smtClean="0"/>
+              <a:t>Identify the &lt;</a:t>
+            </a:r>
+            <a:r>
+              <a:rPr lang="en-IE" dirty="0" err="1" smtClean="0"/>
+              <a:t>ul</a:t>
+            </a:r>
+            <a:r>
+              <a:rPr lang="en-IE" dirty="0" smtClean="0"/>
+              <a:t>&gt; on the page</a:t>
+            </a:r>
+            <a:br>
+              <a:rPr lang="en-IE" dirty="0" smtClean="0"/>
+            </a:br>
+            <a:r>
+              <a:rPr lang="en-IE" dirty="0" smtClean="0"/>
+              <a:t>… because we don’t want to change all &lt;</a:t>
+            </a:r>
+            <a:r>
+              <a:rPr lang="en-IE" dirty="0" err="1" smtClean="0"/>
+              <a:t>ul</a:t>
+            </a:r>
+            <a:r>
+              <a:rPr lang="en-IE" dirty="0" smtClean="0"/>
+              <a:t>&gt;’s</a:t>
+            </a:r>
+          </a:p>
+          <a:p>
+            <a:pPr lvl="1"/>
+            <a:r>
+              <a:rPr lang="en-IE" dirty="0" smtClean="0"/>
+              <a:t>Attach a particular style to that &lt;</a:t>
+            </a:r>
+            <a:r>
+              <a:rPr lang="en-IE" dirty="0" err="1" smtClean="0"/>
+              <a:t>ul</a:t>
+            </a:r>
+            <a:r>
+              <a:rPr lang="en-IE" dirty="0" smtClean="0"/>
+              <a:t>&gt;</a:t>
+            </a:r>
+            <a:endParaRPr lang="en-IE" dirty="0"/>
+          </a:p>
+          <a:p>
+            <a:r>
+              <a:rPr lang="en-IE" dirty="0" smtClean="0"/>
+              <a:t>We use the &lt;div&gt; tag as the identifier</a:t>
+            </a:r>
+          </a:p>
+          <a:p>
+            <a:pPr lvl="1"/>
+            <a:r>
+              <a:rPr lang="en-IE" dirty="0" smtClean="0"/>
+              <a:t>A &lt;div&gt; does not display, it’s just for us to organise the HTML document</a:t>
+            </a:r>
+          </a:p>
+        </p:txBody>
+      </p:sp>
+    </p:spTree>
+    <p:extLst>
+      <p:ext uri="{BB962C8B-B14F-4D97-AF65-F5344CB8AC3E}">
+        <p14:creationId xmlns:p14="http://schemas.microsoft.com/office/powerpoint/2010/main" val="2847431144"/>
+      </p:ext>
+    </p:extLst>
+  </p:cSld>
+  <p:clrMapOvr>
+    <a:masterClrMapping/>
+  </p:clrMapOvr>
+  <p:timing>
+    <p:tnLst>
+      <p:par>
+        <p:cTn id="1" dur="indefinite" restart="never" nodeType="tmRoot"/>
+      </p:par>
+    </p:tnLst>
+  </p:timing>
+</p:sld>
+</file>
+
+<file path=ppt/slides/slide6.xml><?xml version="1.0" encoding="utf-8"?>
+<p:sld xmlns:a="http://schemas.openxmlformats.org/drawingml/2006/main" xmlns:r="http://schemas.openxmlformats.org/officeDocument/2006/relationships" xmlns:p="http://schemas.openxmlformats.org/presentationml/2006/main">
+  <p:cSld>
+    <p:spTree>
+      <p:nvGrpSpPr>
+        <p:cNvPr id="1" name=""/>
+        <p:cNvGrpSpPr/>
+        <p:nvPr/>
+      </p:nvGrpSpPr>
+      <p:grpSpPr>
+        <a:xfrm>
+          <a:off x="0" y="0"/>
+          <a:ext cx="0" cy="0"/>
+          <a:chOff x="0" y="0"/>
+          <a:chExt cx="0" cy="0"/>
+        </a:xfrm>
+      </p:grpSpPr>
+      <p:sp>
+        <p:nvSpPr>
+          <p:cNvPr id="2" name="Title 1"/>
+          <p:cNvSpPr>
+            <a:spLocks noGrp="1"/>
+          </p:cNvSpPr>
+          <p:nvPr>
+            <p:ph type="title"/>
+          </p:nvPr>
+        </p:nvSpPr>
+        <p:spPr/>
+        <p:txBody>
+          <a:bodyPr>
+            <a:normAutofit/>
+          </a:bodyPr>
+          <a:lstStyle/>
+          <a:p>
+            <a:r>
+              <a:rPr lang="en-US" dirty="0" smtClean="0"/>
+              <a:t>How to identify an item</a:t>
+            </a:r>
+            <a:endParaRPr lang="en-IE" dirty="0"/>
+          </a:p>
+        </p:txBody>
+      </p:sp>
+      <p:sp>
+        <p:nvSpPr>
+          <p:cNvPr id="3" name="Content Placeholder 2"/>
+          <p:cNvSpPr>
+            <a:spLocks noGrp="1"/>
+          </p:cNvSpPr>
+          <p:nvPr>
+            <p:ph idx="1"/>
+          </p:nvPr>
+        </p:nvSpPr>
+        <p:spPr/>
+        <p:txBody>
+          <a:bodyPr>
+            <a:normAutofit/>
+          </a:bodyPr>
+          <a:lstStyle/>
+          <a:p>
+            <a:pPr marL="118872" indent="0">
+              <a:buNone/>
+            </a:pPr>
+            <a:r>
+              <a:rPr lang="en-IE" dirty="0" smtClean="0"/>
+              <a:t>&lt;div </a:t>
+            </a:r>
+            <a:r>
+              <a:rPr lang="en-IE" b="1" dirty="0" smtClean="0"/>
+              <a:t>id</a:t>
+            </a:r>
+            <a:r>
+              <a:rPr lang="en-IE" dirty="0" smtClean="0"/>
+              <a:t>=‘</a:t>
+            </a:r>
+            <a:r>
+              <a:rPr lang="en-IE" dirty="0" err="1" smtClean="0"/>
+              <a:t>mymenu_a</a:t>
+            </a:r>
+            <a:r>
+              <a:rPr lang="en-IE" dirty="0" smtClean="0"/>
+              <a:t>’&gt;</a:t>
+            </a:r>
+          </a:p>
+          <a:p>
+            <a:pPr marL="118872" indent="0">
+              <a:buNone/>
+            </a:pPr>
+            <a:endParaRPr lang="en-IE" dirty="0"/>
+          </a:p>
+          <a:p>
+            <a:pPr marL="118872" indent="0">
+              <a:buNone/>
+            </a:pPr>
+            <a:r>
+              <a:rPr lang="en-US" dirty="0" smtClean="0"/>
+              <a:t>	&lt;</a:t>
+            </a:r>
+            <a:r>
+              <a:rPr lang="en-US" dirty="0" err="1" smtClean="0"/>
+              <a:t>ul</a:t>
+            </a:r>
+            <a:r>
+              <a:rPr lang="en-US" dirty="0" smtClean="0"/>
+              <a:t> </a:t>
+            </a:r>
+            <a:r>
+              <a:rPr lang="en-US" b="1" dirty="0" smtClean="0"/>
+              <a:t>class</a:t>
+            </a:r>
+            <a:r>
+              <a:rPr lang="en-US" dirty="0" smtClean="0"/>
+              <a:t> = ‘</a:t>
+            </a:r>
+            <a:r>
+              <a:rPr lang="en-US" dirty="0" err="1" smtClean="0"/>
+              <a:t>abcdef</a:t>
+            </a:r>
+            <a:r>
+              <a:rPr lang="en-US" dirty="0" smtClean="0"/>
+              <a:t>’&gt;</a:t>
+            </a:r>
+          </a:p>
+          <a:p>
+            <a:pPr marL="118872" indent="0">
+              <a:buNone/>
+            </a:pPr>
+            <a:r>
+              <a:rPr lang="en-US" dirty="0"/>
+              <a:t>	</a:t>
+            </a:r>
+            <a:r>
+              <a:rPr lang="en-US" dirty="0" smtClean="0"/>
+              <a:t>	&lt;li&gt;…&lt;/li&gt;</a:t>
+            </a:r>
+          </a:p>
+          <a:p>
+            <a:pPr marL="118872" indent="0">
+              <a:buNone/>
+            </a:pPr>
+            <a:r>
+              <a:rPr lang="en-US" dirty="0"/>
+              <a:t>	</a:t>
+            </a:r>
+            <a:r>
+              <a:rPr lang="en-US" dirty="0" smtClean="0"/>
+              <a:t>	&lt;li&gt;…&lt;/li&gt;</a:t>
+            </a:r>
+          </a:p>
+          <a:p>
+            <a:pPr marL="118872" indent="0">
+              <a:buNone/>
+            </a:pPr>
+            <a:r>
+              <a:rPr lang="en-US" dirty="0"/>
+              <a:t>	</a:t>
+            </a:r>
+            <a:r>
+              <a:rPr lang="en-US" dirty="0" smtClean="0"/>
+              <a:t>&lt;/</a:t>
+            </a:r>
+            <a:r>
+              <a:rPr lang="en-US" dirty="0" err="1" smtClean="0"/>
+              <a:t>ul</a:t>
+            </a:r>
+            <a:r>
+              <a:rPr lang="en-US" dirty="0" smtClean="0"/>
+              <a:t>&gt;</a:t>
+            </a:r>
+          </a:p>
+          <a:p>
+            <a:pPr marL="118872" indent="0">
+              <a:buNone/>
+            </a:pPr>
+            <a:endParaRPr lang="en-US" dirty="0"/>
+          </a:p>
+          <a:p>
+            <a:pPr marL="118872" indent="0">
+              <a:buNone/>
+            </a:pPr>
+            <a:r>
+              <a:rPr lang="en-US" dirty="0" smtClean="0"/>
+              <a:t>&lt;/div&gt;</a:t>
+            </a:r>
+            <a:endParaRPr lang="en-IE" dirty="0"/>
+          </a:p>
+          <a:p>
+            <a:endParaRPr lang="en-IE" dirty="0" smtClean="0"/>
+          </a:p>
+        </p:txBody>
+      </p:sp>
+    </p:spTree>
+    <p:extLst>
+      <p:ext uri="{BB962C8B-B14F-4D97-AF65-F5344CB8AC3E}">
+        <p14:creationId xmlns:p14="http://schemas.microsoft.com/office/powerpoint/2010/main" val="2855734003"/>
+      </p:ext>
+    </p:extLst>
+  </p:cSld>
+  <p:clrMapOvr>
+    <a:masterClrMapping/>
+  </p:clrMapOvr>
+  <p:timing>
+    <p:tnLst>
+      <p:par>
+        <p:cTn id="1" dur="indefinite" restart="never" nodeType="tmRoot"/>
+      </p:par>
+    </p:tnLst>
+  </p:timing>
+</p:sld>
+</file>
+
+<file path=ppt/slides/slide7.xml><?xml version="1.0" encoding="utf-8"?>
+<p:sld xmlns:a="http://schemas.openxmlformats.org/drawingml/2006/main" xmlns:r="http://schemas.openxmlformats.org/officeDocument/2006/relationships" xmlns:p="http://schemas.openxmlformats.org/presentationml/2006/main">
+  <p:cSld>
+    <p:spTree>
+      <p:nvGrpSpPr>
+        <p:cNvPr id="1" name=""/>
+        <p:cNvGrpSpPr/>
+        <p:nvPr/>
+      </p:nvGrpSpPr>
+      <p:grpSpPr>
+        <a:xfrm>
+          <a:off x="0" y="0"/>
+          <a:ext cx="0" cy="0"/>
+          <a:chOff x="0" y="0"/>
+          <a:chExt cx="0" cy="0"/>
+        </a:xfrm>
+      </p:grpSpPr>
+      <p:sp>
+        <p:nvSpPr>
+          <p:cNvPr id="2" name="Title 1"/>
+          <p:cNvSpPr>
+            <a:spLocks noGrp="1"/>
+          </p:cNvSpPr>
+          <p:nvPr>
+            <p:ph type="title"/>
+          </p:nvPr>
+        </p:nvSpPr>
+        <p:spPr/>
+        <p:txBody>
+          <a:bodyPr>
+            <a:normAutofit/>
+          </a:bodyPr>
+          <a:lstStyle/>
+          <a:p>
+            <a:r>
+              <a:rPr lang="en-US" dirty="0" smtClean="0"/>
+              <a:t>Applying A Style</a:t>
+            </a:r>
+            <a:endParaRPr lang="en-IE" dirty="0"/>
+          </a:p>
+        </p:txBody>
+      </p:sp>
+      <p:sp>
+        <p:nvSpPr>
+          <p:cNvPr id="3" name="Content Placeholder 2"/>
+          <p:cNvSpPr>
+            <a:spLocks noGrp="1"/>
+          </p:cNvSpPr>
+          <p:nvPr>
+            <p:ph idx="1"/>
+          </p:nvPr>
+        </p:nvSpPr>
+        <p:spPr/>
+        <p:txBody>
+          <a:bodyPr>
+            <a:normAutofit/>
+          </a:bodyPr>
+          <a:lstStyle/>
+          <a:p>
+            <a:r>
+              <a:rPr lang="en-IE" dirty="0" smtClean="0"/>
+              <a:t>If you use </a:t>
+            </a:r>
+            <a:r>
+              <a:rPr lang="en-IE" b="1" dirty="0" smtClean="0"/>
+              <a:t>id=</a:t>
+            </a:r>
+            <a:r>
+              <a:rPr lang="en-IE" b="1" dirty="0" err="1" smtClean="0"/>
+              <a:t>abcd</a:t>
+            </a:r>
+            <a:r>
+              <a:rPr lang="en-IE" b="1" dirty="0" smtClean="0"/>
+              <a:t/>
+            </a:r>
+            <a:br>
+              <a:rPr lang="en-IE" b="1" dirty="0" smtClean="0"/>
+            </a:br>
+            <a:r>
+              <a:rPr lang="en-IE" i="1" dirty="0" smtClean="0"/>
+              <a:t>then</a:t>
+            </a:r>
+            <a:r>
+              <a:rPr lang="en-IE" dirty="0" smtClean="0"/>
+              <a:t/>
+            </a:r>
+            <a:br>
+              <a:rPr lang="en-IE" dirty="0" smtClean="0"/>
+            </a:br>
+            <a:r>
+              <a:rPr lang="en-IE" dirty="0" smtClean="0"/>
+              <a:t>use </a:t>
+            </a:r>
+            <a:r>
+              <a:rPr lang="en-IE" b="1" dirty="0" smtClean="0"/>
+              <a:t>#</a:t>
+            </a:r>
+            <a:r>
+              <a:rPr lang="en-IE" b="1" dirty="0" err="1" smtClean="0"/>
+              <a:t>abcd</a:t>
+            </a:r>
+            <a:r>
+              <a:rPr lang="en-IE" b="1" dirty="0" smtClean="0"/>
+              <a:t>{ …} </a:t>
+            </a:r>
+            <a:br>
+              <a:rPr lang="en-IE" b="1" dirty="0" smtClean="0"/>
+            </a:br>
+            <a:r>
+              <a:rPr lang="en-IE" dirty="0" smtClean="0"/>
+              <a:t>in the CSS file to identify the style</a:t>
+            </a:r>
+          </a:p>
+          <a:p>
+            <a:endParaRPr lang="en-IE" dirty="0" smtClean="0"/>
+          </a:p>
+          <a:p>
+            <a:r>
+              <a:rPr lang="en-IE" dirty="0" smtClean="0"/>
+              <a:t>If you use </a:t>
+            </a:r>
+            <a:r>
+              <a:rPr lang="en-IE" b="1" dirty="0" smtClean="0"/>
+              <a:t>class=xyz</a:t>
+            </a:r>
+            <a:br>
+              <a:rPr lang="en-IE" b="1" dirty="0" smtClean="0"/>
+            </a:br>
+            <a:r>
+              <a:rPr lang="en-IE" i="1" dirty="0" smtClean="0"/>
+              <a:t>then</a:t>
+            </a:r>
+            <a:r>
+              <a:rPr lang="en-IE" b="1" i="1" dirty="0" smtClean="0"/>
+              <a:t/>
+            </a:r>
+            <a:br>
+              <a:rPr lang="en-IE" b="1" i="1" dirty="0" smtClean="0"/>
+            </a:br>
+            <a:r>
+              <a:rPr lang="en-IE" dirty="0" smtClean="0"/>
+              <a:t>use </a:t>
+            </a:r>
+            <a:r>
+              <a:rPr lang="en-IE" b="1" dirty="0" smtClean="0"/>
+              <a:t>.xyz{…} </a:t>
+            </a:r>
+            <a:r>
+              <a:rPr lang="en-IE" dirty="0" smtClean="0"/>
+              <a:t/>
+            </a:r>
+            <a:br>
+              <a:rPr lang="en-IE" dirty="0" smtClean="0"/>
+            </a:br>
+            <a:r>
+              <a:rPr lang="en-IE" dirty="0" smtClean="0"/>
+              <a:t>in the CSS file to identify the style</a:t>
+            </a:r>
+          </a:p>
+        </p:txBody>
+      </p:sp>
+    </p:spTree>
+    <p:extLst>
+      <p:ext uri="{BB962C8B-B14F-4D97-AF65-F5344CB8AC3E}">
+        <p14:creationId xmlns:p14="http://schemas.microsoft.com/office/powerpoint/2010/main" val="1443052925"/>
+      </p:ext>
+    </p:extLst>
+  </p:cSld>
+  <p:clrMapOvr>
+    <a:masterClrMapping/>
+  </p:clrMapOvr>
+  <p:timing>
+    <p:tnLst>
+      <p:par>
+        <p:cTn id="1" dur="indefinite" restart="never" nodeType="tmRoot"/>
+      </p:par>
+    </p:tnLst>
+  </p:timing>
+</p:sld>
+</file>
+
+<file path=ppt/slides/slide8.xml><?xml version="1.0" encoding="utf-8"?>
+<p:sld xmlns:a="http://schemas.openxmlformats.org/drawingml/2006/main" xmlns:r="http://schemas.openxmlformats.org/officeDocument/2006/relationships" xmlns:p="http://schemas.openxmlformats.org/presentationml/2006/main">
+  <p:cSld>
+    <p:spTree>
+      <p:nvGrpSpPr>
+        <p:cNvPr id="1" name=""/>
+        <p:cNvGrpSpPr/>
+        <p:nvPr/>
+      </p:nvGrpSpPr>
+      <p:grpSpPr>
+        <a:xfrm>
+          <a:off x="0" y="0"/>
+          <a:ext cx="0" cy="0"/>
+          <a:chOff x="0" y="0"/>
+          <a:chExt cx="0" cy="0"/>
+        </a:xfrm>
+      </p:grpSpPr>
+      <p:sp>
+        <p:nvSpPr>
+          <p:cNvPr id="2" name="Title 1"/>
+          <p:cNvSpPr>
+            <a:spLocks noGrp="1"/>
+          </p:cNvSpPr>
+          <p:nvPr>
+            <p:ph type="title"/>
+          </p:nvPr>
+        </p:nvSpPr>
+        <p:spPr/>
+        <p:txBody>
+          <a:bodyPr/>
+          <a:lstStyle/>
+          <a:p>
+            <a:r>
+              <a:rPr lang="en-US" dirty="0" smtClean="0"/>
+              <a:t>OK, Let’s Start …</a:t>
+            </a:r>
+            <a:endParaRPr lang="en-IE" dirty="0"/>
+          </a:p>
+        </p:txBody>
+      </p:sp>
+      <p:sp>
+        <p:nvSpPr>
+          <p:cNvPr id="3" name="Content Placeholder 2"/>
+          <p:cNvSpPr>
+            <a:spLocks noGrp="1"/>
+          </p:cNvSpPr>
+          <p:nvPr>
+            <p:ph idx="1"/>
+          </p:nvPr>
+        </p:nvSpPr>
+        <p:spPr/>
+        <p:txBody>
+          <a:bodyPr>
+            <a:normAutofit/>
+          </a:bodyPr>
+          <a:lstStyle/>
+          <a:p>
+            <a:r>
+              <a:rPr lang="en-IE" dirty="0" smtClean="0"/>
+              <a:t>Make a new empty file with two &lt;</a:t>
+            </a:r>
+            <a:r>
+              <a:rPr lang="en-IE" dirty="0" err="1" smtClean="0"/>
+              <a:t>ul</a:t>
+            </a:r>
+            <a:r>
+              <a:rPr lang="en-IE" dirty="0" smtClean="0"/>
+              <a:t>&gt; lists in it</a:t>
+            </a:r>
+          </a:p>
+          <a:p>
+            <a:r>
+              <a:rPr lang="en-IE" dirty="0" smtClean="0"/>
+              <a:t>Use &lt;link&gt; to reference a CSS file</a:t>
+            </a:r>
+          </a:p>
+          <a:p>
+            <a:r>
+              <a:rPr lang="en-IE" dirty="0" smtClean="0"/>
+              <a:t>Wrap one of the &lt;</a:t>
+            </a:r>
+            <a:r>
+              <a:rPr lang="en-IE" dirty="0" err="1" smtClean="0"/>
+              <a:t>ul</a:t>
+            </a:r>
+            <a:r>
+              <a:rPr lang="en-IE" dirty="0" smtClean="0"/>
+              <a:t>&gt; tags inside a &lt;div&gt;</a:t>
+            </a:r>
+          </a:p>
+          <a:p>
+            <a:endParaRPr lang="en-IE" dirty="0" smtClean="0"/>
+          </a:p>
+          <a:p>
+            <a:r>
+              <a:rPr lang="en-IE" dirty="0" smtClean="0"/>
+              <a:t>&lt;div&gt; is just a way of defining a section in the HTML document</a:t>
+            </a:r>
+          </a:p>
+          <a:p>
+            <a:r>
+              <a:rPr lang="en-IE" dirty="0" smtClean="0"/>
+              <a:t>It doesn’t display, but you can attach styles to it</a:t>
+            </a:r>
+          </a:p>
+          <a:p>
+            <a:r>
+              <a:rPr lang="en-IE" dirty="0" smtClean="0"/>
+              <a:t>… and this is how we make a menu …</a:t>
+            </a:r>
+          </a:p>
+        </p:txBody>
+      </p:sp>
+    </p:spTree>
+    <p:extLst>
+      <p:ext uri="{BB962C8B-B14F-4D97-AF65-F5344CB8AC3E}">
+        <p14:creationId xmlns:p14="http://schemas.microsoft.com/office/powerpoint/2010/main" val="4147186716"/>
+      </p:ext>
+    </p:extLst>
+  </p:cSld>
+  <p:clrMapOvr>
+    <a:masterClrMapping/>
+  </p:clrMapOvr>
+  <p:timing>
+    <p:tnLst>
+      <p:par>
+        <p:cTn id="1" dur="indefinite" restart="never" nodeType="tmRoot"/>
+      </p:par>
+    </p:tnLst>
+  </p:timing>
+</p:sld>
+</file>
+
+<file path=ppt/slides/slide9.xml><?xml version="1.0" encoding="utf-8"?>
+<p:sld xmlns:a="http://schemas.openxmlformats.org/drawingml/2006/main" xmlns:r="http://schemas.openxmlformats.org/officeDocument/2006/relationships" xmlns:p="http://schemas.openxmlformats.org/presentationml/2006/main">
+  <p:cSld>
+    <p:spTree>
+      <p:nvGrpSpPr>
+        <p:cNvPr id="1" name=""/>
+        <p:cNvGrpSpPr/>
+        <p:nvPr/>
+      </p:nvGrpSpPr>
+      <p:grpSpPr>
+        <a:xfrm>
+          <a:off x="0" y="0"/>
+          <a:ext cx="0" cy="0"/>
+          <a:chOff x="0" y="0"/>
+          <a:chExt cx="0" cy="0"/>
+        </a:xfrm>
+      </p:grpSpPr>
+      <p:sp>
+        <p:nvSpPr>
+          <p:cNvPr id="2" name="Title 1"/>
+          <p:cNvSpPr>
+            <a:spLocks noGrp="1"/>
+          </p:cNvSpPr>
+          <p:nvPr>
+            <p:ph type="title"/>
+          </p:nvPr>
+        </p:nvSpPr>
+        <p:spPr/>
+        <p:txBody>
+          <a:bodyPr/>
+          <a:lstStyle/>
+          <a:p>
+            <a:r>
+              <a:rPr lang="en-US" dirty="0" smtClean="0"/>
+              <a:t>Using Chrome </a:t>
+            </a:r>
+            <a:r>
+              <a:rPr lang="en-US" dirty="0" err="1" smtClean="0"/>
+              <a:t>DevTools</a:t>
+            </a:r>
+            <a:endParaRPr lang="en-IE" dirty="0"/>
+          </a:p>
+        </p:txBody>
+      </p:sp>
+      <p:sp>
+        <p:nvSpPr>
+          <p:cNvPr id="3" name="Content Placeholder 2"/>
+          <p:cNvSpPr>
+            <a:spLocks noGrp="1"/>
+          </p:cNvSpPr>
+          <p:nvPr>
+            <p:ph idx="1"/>
+          </p:nvPr>
+        </p:nvSpPr>
+        <p:spPr/>
+        <p:txBody>
+          <a:bodyPr>
+            <a:normAutofit/>
+          </a:bodyPr>
+          <a:lstStyle/>
+          <a:p>
+            <a:r>
+              <a:rPr lang="en-IE" dirty="0" smtClean="0"/>
+              <a:t>Exploring CSS with Chrome is easy</a:t>
+            </a:r>
+          </a:p>
+          <a:p>
+            <a:r>
+              <a:rPr lang="en-IE" dirty="0" smtClean="0"/>
+              <a:t>Click Wrench Icon-&gt;Tools-&gt;Developer Tools</a:t>
+            </a:r>
+          </a:p>
+          <a:p>
+            <a:endParaRPr lang="en-IE" dirty="0" smtClean="0"/>
+          </a:p>
+        </p:txBody>
+      </p:sp>
+      <p:pic>
+        <p:nvPicPr>
+          <p:cNvPr id="1026" name="Picture 2"/>
+          <p:cNvPicPr>
+            <a:picLocks noChangeAspect="1" noChangeArrowheads="1"/>
+          </p:cNvPicPr>
+          <p:nvPr/>
+        </p:nvPicPr>
+        <p:blipFill>
+          <a:blip r:embed="rId3">
+            <a:extLst>
+              <a:ext uri="{28A0092B-C50C-407E-A947-70E740481C1C}">
+                <a14:useLocalDpi xmlns:a14="http://schemas.microsoft.com/office/drawing/2010/main" val="0"/>
+              </a:ext>
+            </a:extLst>
+          </a:blip>
+          <a:srcRect/>
+          <a:stretch>
+            <a:fillRect/>
+          </a:stretch>
+        </p:blipFill>
+        <p:spPr bwMode="auto">
+          <a:xfrm>
+            <a:off x="1547664" y="2945843"/>
+            <a:ext cx="4295259" cy="3533092"/>
+          </a:xfrm>
+          <a:prstGeom prst="rect">
+            <a:avLst/>
+          </a:prstGeom>
+          <a:noFill/>
+          <a:ln>
+            <a:noFill/>
+          </a:ln>
+          <a:effectLst/>
+          <a:extLst>
+            <a:ext uri="{909E8E84-426E-40DD-AFC4-6F175D3DCCD1}">
+              <a14:hiddenFill xmlns:a14="http://schemas.microsoft.com/office/drawing/2010/main">
+                <a:solidFill>
+                  <a:schemeClr val="accent1"/>
+                </a:solidFill>
+              </a14:hiddenFill>
+            </a:ext>
+            <a:ext uri="{91240B29-F687-4F45-9708-019B960494DF}">
+              <a14:hiddenLine xmlns:a14="http://schemas.microsoft.com/office/drawing/2010/main" w="9525">
+                <a:solidFill>
+                  <a:schemeClr val="tx1"/>
+                </a:solidFill>
+                <a:miter lim="800000"/>
+                <a:headEnd/>
+                <a:tailEnd/>
+              </a14:hiddenLine>
+            </a:ext>
+            <a:ext uri="{AF507438-7753-43E0-B8FC-AC1667EBCBE1}">
+              <a14:hiddenEffects xmlns:a14="http://schemas.microsoft.com/office/drawing/2010/main">
+                <a:effectLst>
+                  <a:outerShdw dist="35921" dir="2700000" algn="ctr" rotWithShape="0">
+                    <a:schemeClr val="bg2"/>
+                  </a:outerShdw>
+                </a:effectLst>
+              </a14:hiddenEffects>
+            </a:ext>
+          </a:extLst>
+        </p:spPr>
+      </p:pic>
+    </p:spTree>
+    <p:extLst>
+      <p:ext uri="{BB962C8B-B14F-4D97-AF65-F5344CB8AC3E}">
+        <p14:creationId xmlns:p14="http://schemas.microsoft.com/office/powerpoint/2010/main" val="903388460"/>
       </p:ext>
     </p:extLst>
   </p:cSld>

--- a/html/presentations/CoderDojoBrayHTML_session3.pptx
+++ b/html/presentations/CoderDojoBrayHTML_session3.pptx
@@ -211,7 +211,7 @@
           <a:p>
             <a:fld id="{9650A110-E0B9-45FC-A343-D8EC5640BF3F}" type="datetimeFigureOut">
               <a:rPr lang="en-IE" smtClean="0"/>
-              <a:t>13/09/2012</a:t>
+              <a:t>18/09/2012</a:t>
             </a:fld>
             <a:endParaRPr lang="en-IE"/>
           </a:p>
@@ -1836,11 +1836,7 @@
           <a:p>
             <a:r>
               <a:rPr lang="en-IE" baseline="0" dirty="0" smtClean="0"/>
-              <a:t>This time we want to use the Developer Tools in Chrome to play with CSS</a:t>
-            </a:r>
-            <a:r>
-              <a:rPr lang="en-IE" baseline="0" dirty="0" smtClean="0"/>
-              <a:t>.</a:t>
+              <a:t>This time we want to use the Developer Tools in Chrome to play with CSS.</a:t>
             </a:r>
           </a:p>
           <a:p>
@@ -2605,7 +2601,7 @@
           <a:p>
             <a:fld id="{6D57282B-8A94-4CFA-A812-B2453AD9C772}" type="datetimeFigureOut">
               <a:rPr lang="en-IE" smtClean="0"/>
-              <a:t>13/09/2012</a:t>
+              <a:t>18/09/2012</a:t>
             </a:fld>
             <a:endParaRPr lang="en-IE" dirty="0"/>
           </a:p>
@@ -2828,7 +2824,7 @@
           <a:p>
             <a:fld id="{6D57282B-8A94-4CFA-A812-B2453AD9C772}" type="datetimeFigureOut">
               <a:rPr lang="en-IE" smtClean="0"/>
-              <a:t>13/09/2012</a:t>
+              <a:t>18/09/2012</a:t>
             </a:fld>
             <a:endParaRPr lang="en-IE"/>
           </a:p>
@@ -3108,7 +3104,7 @@
           <a:p>
             <a:fld id="{6D57282B-8A94-4CFA-A812-B2453AD9C772}" type="datetimeFigureOut">
               <a:rPr lang="en-IE" smtClean="0"/>
-              <a:t>13/09/2012</a:t>
+              <a:t>18/09/2012</a:t>
             </a:fld>
             <a:endParaRPr lang="en-IE"/>
           </a:p>
@@ -3287,7 +3283,7 @@
           <a:p>
             <a:fld id="{6D57282B-8A94-4CFA-A812-B2453AD9C772}" type="datetimeFigureOut">
               <a:rPr lang="en-IE" smtClean="0"/>
-              <a:t>13/09/2012</a:t>
+              <a:t>18/09/2012</a:t>
             </a:fld>
             <a:endParaRPr lang="en-IE"/>
           </a:p>
@@ -3681,7 +3677,7 @@
           <a:p>
             <a:fld id="{6D57282B-8A94-4CFA-A812-B2453AD9C772}" type="datetimeFigureOut">
               <a:rPr lang="en-IE" smtClean="0"/>
-              <a:t>13/09/2012</a:t>
+              <a:t>18/09/2012</a:t>
             </a:fld>
             <a:endParaRPr lang="en-IE"/>
           </a:p>
@@ -3968,7 +3964,7 @@
           <a:p>
             <a:fld id="{6D57282B-8A94-4CFA-A812-B2453AD9C772}" type="datetimeFigureOut">
               <a:rPr lang="en-IE" smtClean="0"/>
-              <a:t>13/09/2012</a:t>
+              <a:t>18/09/2012</a:t>
             </a:fld>
             <a:endParaRPr lang="en-IE"/>
           </a:p>
@@ -4390,7 +4386,7 @@
           <a:p>
             <a:fld id="{6D57282B-8A94-4CFA-A812-B2453AD9C772}" type="datetimeFigureOut">
               <a:rPr lang="en-IE" smtClean="0"/>
-              <a:t>13/09/2012</a:t>
+              <a:t>18/09/2012</a:t>
             </a:fld>
             <a:endParaRPr lang="en-IE"/>
           </a:p>
@@ -4505,7 +4501,7 @@
           <a:p>
             <a:fld id="{6D57282B-8A94-4CFA-A812-B2453AD9C772}" type="datetimeFigureOut">
               <a:rPr lang="en-IE" smtClean="0"/>
-              <a:t>13/09/2012</a:t>
+              <a:t>18/09/2012</a:t>
             </a:fld>
             <a:endParaRPr lang="en-IE"/>
           </a:p>
@@ -4595,7 +4591,7 @@
           <a:p>
             <a:fld id="{6D57282B-8A94-4CFA-A812-B2453AD9C772}" type="datetimeFigureOut">
               <a:rPr lang="en-IE" smtClean="0"/>
-              <a:t>13/09/2012</a:t>
+              <a:t>18/09/2012</a:t>
             </a:fld>
             <a:endParaRPr lang="en-IE"/>
           </a:p>
@@ -4873,7 +4869,7 @@
           <a:p>
             <a:fld id="{6D57282B-8A94-4CFA-A812-B2453AD9C772}" type="datetimeFigureOut">
               <a:rPr lang="en-IE" smtClean="0"/>
-              <a:t>13/09/2012</a:t>
+              <a:t>18/09/2012</a:t>
             </a:fld>
             <a:endParaRPr lang="en-IE"/>
           </a:p>
@@ -5234,7 +5230,7 @@
           <a:p>
             <a:fld id="{6D57282B-8A94-4CFA-A812-B2453AD9C772}" type="datetimeFigureOut">
               <a:rPr lang="en-IE" smtClean="0"/>
-              <a:t>13/09/2012</a:t>
+              <a:t>18/09/2012</a:t>
             </a:fld>
             <a:endParaRPr lang="en-IE"/>
           </a:p>
@@ -5671,7 +5667,7 @@
           <a:p>
             <a:fld id="{6D57282B-8A94-4CFA-A812-B2453AD9C772}" type="datetimeFigureOut">
               <a:rPr lang="en-IE" smtClean="0"/>
-              <a:t>13/09/2012</a:t>
+              <a:t>18/09/2012</a:t>
             </a:fld>
             <a:endParaRPr lang="en-IE"/>
           </a:p>
@@ -8075,13 +8071,8 @@
             </a:r>
             <a:r>
               <a:rPr lang="en-IE" dirty="0" smtClean="0"/>
-              <a:t> for examples of other CSS </a:t>
-            </a:r>
-            <a:r>
-              <a:rPr lang="en-IE" dirty="0" smtClean="0"/>
-              <a:t>styles</a:t>
-            </a:r>
-            <a:endParaRPr lang="en-IE" dirty="0" smtClean="0"/>
+              <a:t> for examples of other CSS styles</a:t>
+            </a:r>
           </a:p>
           <a:p>
             <a:pPr marL="118872" indent="0">
@@ -8122,7 +8113,6 @@
               <a:rPr lang="en-IE" dirty="0" smtClean="0"/>
               <a:t> </a:t>
             </a:r>
-            <a:endParaRPr lang="en-IE" dirty="0" smtClean="0"/>
           </a:p>
           <a:p>
             <a:pPr marL="118872" indent="0">
@@ -8214,38 +8204,48 @@
           <a:lstStyle/>
           <a:p>
             <a:r>
-              <a:rPr lang="en-IE" sz="5400" dirty="0" smtClean="0"/>
-              <a:t>Join w</a:t>
-            </a:r>
-            <a:r>
-              <a:rPr lang="en-IE" sz="5400" dirty="0" smtClean="0"/>
-              <a:t>ireless network</a:t>
-            </a:r>
-            <a:r>
-              <a:rPr lang="en-IE" sz="6600" dirty="0" smtClean="0"/>
-              <a:t>: </a:t>
-            </a:r>
-            <a:r>
-              <a:rPr lang="en-IE" sz="6600" dirty="0" smtClean="0"/>
-              <a:t/>
+              <a:rPr lang="en-IE" sz="4800" dirty="0" smtClean="0"/>
+              <a:t>Join wireless </a:t>
+            </a:r>
+            <a:r>
+              <a:rPr lang="en-IE" sz="4800" dirty="0" smtClean="0"/>
+              <a:t>network:</a:t>
             </a:r>
             <a:br>
-              <a:rPr lang="en-IE" sz="6600" dirty="0" smtClean="0"/>
+              <a:rPr lang="en-IE" sz="4800" dirty="0" smtClean="0"/>
             </a:br>
             <a:r>
-              <a:rPr lang="en-IE" sz="6600" dirty="0" smtClean="0"/>
-              <a:t>       </a:t>
-            </a:r>
-            <a:r>
-              <a:rPr lang="en-IE" sz="7200" b="1" dirty="0" err="1" smtClean="0"/>
+              <a:rPr lang="en-IE" sz="4800" dirty="0" smtClean="0"/>
+              <a:t>            </a:t>
+            </a:r>
+            <a:r>
+              <a:rPr lang="en-IE" sz="4400" b="1" dirty="0" err="1" smtClean="0"/>
               <a:t>coderdojo</a:t>
             </a:r>
-            <a:endParaRPr lang="en-IE" sz="7200" b="1" dirty="0"/>
+            <a:r>
+              <a:rPr lang="en-IE" sz="4400" b="1" dirty="0" smtClean="0"/>
+              <a:t>&lt;x&gt;</a:t>
+            </a:r>
+            <a:br>
+              <a:rPr lang="en-IE" sz="4400" b="1" dirty="0" smtClean="0"/>
+            </a:br>
+            <a:r>
+              <a:rPr lang="en-IE" sz="4400" b="1" dirty="0" smtClean="0"/>
+              <a:t>where &lt;x&gt; is your table number</a:t>
+            </a:r>
+            <a:endParaRPr lang="en-IE" sz="4400" b="1" dirty="0"/>
+          </a:p>
+          <a:p>
+            <a:endParaRPr lang="en-IE" sz="3000" dirty="0" smtClean="0"/>
           </a:p>
           <a:p>
             <a:r>
               <a:rPr lang="en-IE" sz="3000" dirty="0" smtClean="0"/>
-              <a:t>Have you got:</a:t>
+              <a:t>Have </a:t>
+            </a:r>
+            <a:r>
+              <a:rPr lang="en-IE" sz="3000" dirty="0" smtClean="0"/>
+              <a:t>you got:</a:t>
             </a:r>
             <a:br>
               <a:rPr lang="en-IE" sz="3000" dirty="0" smtClean="0"/>
@@ -8259,23 +8259,23 @@
             </a:br>
             <a:r>
               <a:rPr lang="en-IE" sz="3000" dirty="0" smtClean="0"/>
-              <a:t>- Komodo Edit</a:t>
+              <a:t>- Komodo </a:t>
+            </a:r>
+            <a:r>
+              <a:rPr lang="en-IE" sz="3000" dirty="0" smtClean="0"/>
+              <a:t>Edit</a:t>
+            </a:r>
+            <a:r>
+              <a:rPr lang="en-IE" sz="3000" dirty="0" smtClean="0"/>
+              <a:t/>
             </a:r>
             <a:br>
               <a:rPr lang="en-IE" sz="3000" dirty="0" smtClean="0"/>
             </a:br>
             <a:r>
               <a:rPr lang="en-IE" sz="3000" dirty="0" smtClean="0"/>
-              <a:t/>
-            </a:r>
-            <a:br>
-              <a:rPr lang="en-IE" sz="3000" dirty="0" smtClean="0"/>
-            </a:br>
-            <a:r>
-              <a:rPr lang="en-IE" sz="3000" dirty="0" smtClean="0"/>
               <a:t>Installed on your laptop?</a:t>
             </a:r>
-            <a:endParaRPr lang="en-IE" sz="3000" dirty="0" smtClean="0"/>
           </a:p>
           <a:p>
             <a:pPr marL="118872" indent="0">
